--- a/笔记.pptx
+++ b/笔记.pptx
@@ -1,11 +1,11 @@
 
 <file path=ppt/presentation.xml><?xml version="1.0" encoding="utf-8"?>
-<p:presentation xmlns:a="http://schemas.openxmlformats.org/drawingml/2006/main" xmlns:r="http://schemas.openxmlformats.org/officeDocument/2006/relationships" xmlns:p="http://schemas.openxmlformats.org/presentationml/2006/main" saveSubsetFonts="1">
+<p:presentation xmlns:a="http://schemas.openxmlformats.org/drawingml/2006/main" xmlns:r="http://schemas.openxmlformats.org/officeDocument/2006/relationships" xmlns:p="http://schemas.openxmlformats.org/presentationml/2006/main">
   <p:sldMasterIdLst>
     <p:sldMasterId id="2147483648" r:id="rId1"/>
   </p:sldMasterIdLst>
   <p:sldIdLst>
-    <p:sldId id="256" r:id="rId2"/>
+    <p:sldId id="256" r:id="rId3"/>
   </p:sldIdLst>
   <p:sldSz cx="12192000" cy="6858000"/>
   <p:notesSz cx="6858000" cy="9144000"/>
@@ -126,13 +126,7 @@
       </p:grpSpPr>
       <p:sp>
         <p:nvSpPr>
-          <p:cNvPr id="2" name="Titre 1">
-            <a:extLst>
-              <a:ext uri="{FF2B5EF4-FFF2-40B4-BE49-F238E27FC236}">
-                <a16:creationId xmlns:a16="http://schemas.microsoft.com/office/drawing/2014/main" id="{A39726A4-086D-44E9-85E6-9123382EEDF0}"/>
-              </a:ext>
-            </a:extLst>
-          </p:cNvPr>
+          <p:cNvPr id="2" name="Titre 1"/>
           <p:cNvSpPr>
             <a:spLocks noGrp="1"/>
           </p:cNvSpPr>
@@ -158,23 +152,18 @@
               <a:rPr lang="fr-FR"/>
               <a:t>Modifiez le style du titre</a:t>
             </a:r>
-          </a:p>
-        </p:txBody>
-      </p:sp>
-      <p:sp>
-        <p:nvSpPr>
-          <p:cNvPr id="3" name="Sous-titre 2">
-            <a:extLst>
-              <a:ext uri="{FF2B5EF4-FFF2-40B4-BE49-F238E27FC236}">
-                <a16:creationId xmlns:a16="http://schemas.microsoft.com/office/drawing/2014/main" id="{A8FEB382-E3E7-430E-BDFC-2FE2C2054DB0}"/>
-              </a:ext>
-            </a:extLst>
-          </p:cNvPr>
-          <p:cNvSpPr>
-            <a:spLocks noGrp="1"/>
-          </p:cNvSpPr>
-          <p:nvPr>
-            <p:ph type="subTitle" idx="1"/>
+            <a:endParaRPr lang="fr-FR"/>
+          </a:p>
+        </p:txBody>
+      </p:sp>
+      <p:sp>
+        <p:nvSpPr>
+          <p:cNvPr id="3" name="Sous-titre 2"/>
+          <p:cNvSpPr>
+            <a:spLocks noGrp="1"/>
+          </p:cNvSpPr>
+          <p:nvPr>
+            <p:ph type="subTitle" idx="1" hasCustomPrompt="1"/>
           </p:nvPr>
         </p:nvSpPr>
         <p:spPr>
@@ -228,18 +217,13 @@
               <a:rPr lang="fr-FR"/>
               <a:t>Modifiez le style des sous-titres du masque</a:t>
             </a:r>
-          </a:p>
-        </p:txBody>
-      </p:sp>
-      <p:sp>
-        <p:nvSpPr>
-          <p:cNvPr id="4" name="Espace réservé de la date 3">
-            <a:extLst>
-              <a:ext uri="{FF2B5EF4-FFF2-40B4-BE49-F238E27FC236}">
-                <a16:creationId xmlns:a16="http://schemas.microsoft.com/office/drawing/2014/main" id="{B07C0015-F654-4CA0-83D8-B936ABED3E6B}"/>
-              </a:ext>
-            </a:extLst>
-          </p:cNvPr>
+            <a:endParaRPr lang="fr-FR"/>
+          </a:p>
+        </p:txBody>
+      </p:sp>
+      <p:sp>
+        <p:nvSpPr>
+          <p:cNvPr id="4" name="Espace réservé de la date 3"/>
           <p:cNvSpPr>
             <a:spLocks noGrp="1"/>
           </p:cNvSpPr>
@@ -254,7 +238,6 @@
           <a:p>
             <a:fld id="{B56D2652-DE9D-48DC-8C95-61F5BF8CFDBE}" type="datetimeFigureOut">
               <a:rPr lang="fr-FR" smtClean="0"/>
-              <a:t>24/04/2020</a:t>
             </a:fld>
             <a:endParaRPr lang="fr-FR"/>
           </a:p>
@@ -262,13 +245,7 @@
       </p:sp>
       <p:sp>
         <p:nvSpPr>
-          <p:cNvPr id="5" name="Espace réservé du pied de page 4">
-            <a:extLst>
-              <a:ext uri="{FF2B5EF4-FFF2-40B4-BE49-F238E27FC236}">
-                <a16:creationId xmlns:a16="http://schemas.microsoft.com/office/drawing/2014/main" id="{1E43E304-C320-48D9-857D-8FE2E259DD44}"/>
-              </a:ext>
-            </a:extLst>
-          </p:cNvPr>
+          <p:cNvPr id="5" name="Espace réservé du pied de page 4"/>
           <p:cNvSpPr>
             <a:spLocks noGrp="1"/>
           </p:cNvSpPr>
@@ -287,13 +264,7 @@
       </p:sp>
       <p:sp>
         <p:nvSpPr>
-          <p:cNvPr id="6" name="Espace réservé du numéro de diapositive 5">
-            <a:extLst>
-              <a:ext uri="{FF2B5EF4-FFF2-40B4-BE49-F238E27FC236}">
-                <a16:creationId xmlns:a16="http://schemas.microsoft.com/office/drawing/2014/main" id="{3860C52A-B6C9-43E8-8797-E621EB2AB2C3}"/>
-              </a:ext>
-            </a:extLst>
-          </p:cNvPr>
+          <p:cNvPr id="6" name="Espace réservé du numéro de diapositive 5"/>
           <p:cNvSpPr>
             <a:spLocks noGrp="1"/>
           </p:cNvSpPr>
@@ -308,18 +279,12 @@
           <a:p>
             <a:fld id="{D2644EA1-3967-4E7E-AC05-0E1557AACFC3}" type="slidenum">
               <a:rPr lang="fr-FR" smtClean="0"/>
-              <a:t>‹N°›</a:t>
             </a:fld>
             <a:endParaRPr lang="fr-FR"/>
           </a:p>
         </p:txBody>
       </p:sp>
     </p:spTree>
-    <p:extLst>
-      <p:ext uri="{BB962C8B-B14F-4D97-AF65-F5344CB8AC3E}">
-        <p14:creationId xmlns:p14="http://schemas.microsoft.com/office/powerpoint/2010/main" val="2553607066"/>
-      </p:ext>
-    </p:extLst>
   </p:cSld>
   <p:clrMapOvr>
     <a:masterClrMapping/>
@@ -346,13 +311,7 @@
       </p:grpSpPr>
       <p:sp>
         <p:nvSpPr>
-          <p:cNvPr id="2" name="Titre 1">
-            <a:extLst>
-              <a:ext uri="{FF2B5EF4-FFF2-40B4-BE49-F238E27FC236}">
-                <a16:creationId xmlns:a16="http://schemas.microsoft.com/office/drawing/2014/main" id="{6A465D2D-A9C3-4714-983C-4296A45532C4}"/>
-              </a:ext>
-            </a:extLst>
-          </p:cNvPr>
+          <p:cNvPr id="2" name="Titre 1"/>
           <p:cNvSpPr>
             <a:spLocks noGrp="1"/>
           </p:cNvSpPr>
@@ -369,23 +328,18 @@
               <a:rPr lang="fr-FR"/>
               <a:t>Modifiez le style du titre</a:t>
             </a:r>
-          </a:p>
-        </p:txBody>
-      </p:sp>
-      <p:sp>
-        <p:nvSpPr>
-          <p:cNvPr id="3" name="Espace réservé du texte vertical 2">
-            <a:extLst>
-              <a:ext uri="{FF2B5EF4-FFF2-40B4-BE49-F238E27FC236}">
-                <a16:creationId xmlns:a16="http://schemas.microsoft.com/office/drawing/2014/main" id="{5462638C-0BB5-49D3-BECA-0BE8CDBC3946}"/>
-              </a:ext>
-            </a:extLst>
-          </p:cNvPr>
-          <p:cNvSpPr>
-            <a:spLocks noGrp="1"/>
-          </p:cNvSpPr>
-          <p:nvPr>
-            <p:ph type="body" orient="vert" idx="1"/>
+            <a:endParaRPr lang="fr-FR"/>
+          </a:p>
+        </p:txBody>
+      </p:sp>
+      <p:sp>
+        <p:nvSpPr>
+          <p:cNvPr id="3" name="Espace réservé du texte vertical 2"/>
+          <p:cNvSpPr>
+            <a:spLocks noGrp="1"/>
+          </p:cNvSpPr>
+          <p:nvPr>
+            <p:ph type="body" orient="vert" idx="1" hasCustomPrompt="1"/>
           </p:nvPr>
         </p:nvSpPr>
         <p:spPr/>
@@ -398,6 +352,7 @@
               <a:rPr lang="fr-FR"/>
               <a:t>Cliquez pour modifier les styles du texte du masque</a:t>
             </a:r>
+            <a:endParaRPr lang="fr-FR"/>
           </a:p>
           <a:p>
             <a:pPr lvl="1"/>
@@ -405,6 +360,7 @@
               <a:rPr lang="fr-FR"/>
               <a:t>Deuxième niveau</a:t>
             </a:r>
+            <a:endParaRPr lang="fr-FR"/>
           </a:p>
           <a:p>
             <a:pPr lvl="2"/>
@@ -412,6 +368,7 @@
               <a:rPr lang="fr-FR"/>
               <a:t>Troisième niveau</a:t>
             </a:r>
+            <a:endParaRPr lang="fr-FR"/>
           </a:p>
           <a:p>
             <a:pPr lvl="3"/>
@@ -419,6 +376,7 @@
               <a:rPr lang="fr-FR"/>
               <a:t>Quatrième niveau</a:t>
             </a:r>
+            <a:endParaRPr lang="fr-FR"/>
           </a:p>
           <a:p>
             <a:pPr lvl="4"/>
@@ -426,18 +384,13 @@
               <a:rPr lang="fr-FR"/>
               <a:t>Cinquième niveau</a:t>
             </a:r>
-          </a:p>
-        </p:txBody>
-      </p:sp>
-      <p:sp>
-        <p:nvSpPr>
-          <p:cNvPr id="4" name="Espace réservé de la date 3">
-            <a:extLst>
-              <a:ext uri="{FF2B5EF4-FFF2-40B4-BE49-F238E27FC236}">
-                <a16:creationId xmlns:a16="http://schemas.microsoft.com/office/drawing/2014/main" id="{40FC0A3E-C1D7-4AA6-84BD-E3F255BCF3A7}"/>
-              </a:ext>
-            </a:extLst>
-          </p:cNvPr>
+            <a:endParaRPr lang="fr-FR"/>
+          </a:p>
+        </p:txBody>
+      </p:sp>
+      <p:sp>
+        <p:nvSpPr>
+          <p:cNvPr id="4" name="Espace réservé de la date 3"/>
           <p:cNvSpPr>
             <a:spLocks noGrp="1"/>
           </p:cNvSpPr>
@@ -452,7 +405,6 @@
           <a:p>
             <a:fld id="{B56D2652-DE9D-48DC-8C95-61F5BF8CFDBE}" type="datetimeFigureOut">
               <a:rPr lang="fr-FR" smtClean="0"/>
-              <a:t>24/04/2020</a:t>
             </a:fld>
             <a:endParaRPr lang="fr-FR"/>
           </a:p>
@@ -460,13 +412,7 @@
       </p:sp>
       <p:sp>
         <p:nvSpPr>
-          <p:cNvPr id="5" name="Espace réservé du pied de page 4">
-            <a:extLst>
-              <a:ext uri="{FF2B5EF4-FFF2-40B4-BE49-F238E27FC236}">
-                <a16:creationId xmlns:a16="http://schemas.microsoft.com/office/drawing/2014/main" id="{DD038842-85E6-4FE4-98D0-28E106D57B8F}"/>
-              </a:ext>
-            </a:extLst>
-          </p:cNvPr>
+          <p:cNvPr id="5" name="Espace réservé du pied de page 4"/>
           <p:cNvSpPr>
             <a:spLocks noGrp="1"/>
           </p:cNvSpPr>
@@ -485,13 +431,7 @@
       </p:sp>
       <p:sp>
         <p:nvSpPr>
-          <p:cNvPr id="6" name="Espace réservé du numéro de diapositive 5">
-            <a:extLst>
-              <a:ext uri="{FF2B5EF4-FFF2-40B4-BE49-F238E27FC236}">
-                <a16:creationId xmlns:a16="http://schemas.microsoft.com/office/drawing/2014/main" id="{492D5E64-3DC4-401B-A373-E5447D1E6E4D}"/>
-              </a:ext>
-            </a:extLst>
-          </p:cNvPr>
+          <p:cNvPr id="6" name="Espace réservé du numéro de diapositive 5"/>
           <p:cNvSpPr>
             <a:spLocks noGrp="1"/>
           </p:cNvSpPr>
@@ -506,18 +446,12 @@
           <a:p>
             <a:fld id="{D2644EA1-3967-4E7E-AC05-0E1557AACFC3}" type="slidenum">
               <a:rPr lang="fr-FR" smtClean="0"/>
-              <a:t>‹N°›</a:t>
             </a:fld>
             <a:endParaRPr lang="fr-FR"/>
           </a:p>
         </p:txBody>
       </p:sp>
     </p:spTree>
-    <p:extLst>
-      <p:ext uri="{BB962C8B-B14F-4D97-AF65-F5344CB8AC3E}">
-        <p14:creationId xmlns:p14="http://schemas.microsoft.com/office/powerpoint/2010/main" val="3029143954"/>
-      </p:ext>
-    </p:extLst>
   </p:cSld>
   <p:clrMapOvr>
     <a:masterClrMapping/>
@@ -544,13 +478,7 @@
       </p:grpSpPr>
       <p:sp>
         <p:nvSpPr>
-          <p:cNvPr id="2" name="Titre vertical 1">
-            <a:extLst>
-              <a:ext uri="{FF2B5EF4-FFF2-40B4-BE49-F238E27FC236}">
-                <a16:creationId xmlns:a16="http://schemas.microsoft.com/office/drawing/2014/main" id="{70A46EAB-561A-46C7-AF47-6381177CFE04}"/>
-              </a:ext>
-            </a:extLst>
-          </p:cNvPr>
+          <p:cNvPr id="2" name="Titre vertical 1"/>
           <p:cNvSpPr>
             <a:spLocks noGrp="1"/>
           </p:cNvSpPr>
@@ -572,23 +500,18 @@
               <a:rPr lang="fr-FR"/>
               <a:t>Modifiez le style du titre</a:t>
             </a:r>
-          </a:p>
-        </p:txBody>
-      </p:sp>
-      <p:sp>
-        <p:nvSpPr>
-          <p:cNvPr id="3" name="Espace réservé du texte vertical 2">
-            <a:extLst>
-              <a:ext uri="{FF2B5EF4-FFF2-40B4-BE49-F238E27FC236}">
-                <a16:creationId xmlns:a16="http://schemas.microsoft.com/office/drawing/2014/main" id="{DBC76A3C-07A9-4BBA-A60F-18A870D9203C}"/>
-              </a:ext>
-            </a:extLst>
-          </p:cNvPr>
-          <p:cNvSpPr>
-            <a:spLocks noGrp="1"/>
-          </p:cNvSpPr>
-          <p:nvPr>
-            <p:ph type="body" orient="vert" idx="1"/>
+            <a:endParaRPr lang="fr-FR"/>
+          </a:p>
+        </p:txBody>
+      </p:sp>
+      <p:sp>
+        <p:nvSpPr>
+          <p:cNvPr id="3" name="Espace réservé du texte vertical 2"/>
+          <p:cNvSpPr>
+            <a:spLocks noGrp="1"/>
+          </p:cNvSpPr>
+          <p:nvPr>
+            <p:ph type="body" orient="vert" idx="1" hasCustomPrompt="1"/>
           </p:nvPr>
         </p:nvSpPr>
         <p:spPr>
@@ -606,6 +529,7 @@
               <a:rPr lang="fr-FR"/>
               <a:t>Cliquez pour modifier les styles du texte du masque</a:t>
             </a:r>
+            <a:endParaRPr lang="fr-FR"/>
           </a:p>
           <a:p>
             <a:pPr lvl="1"/>
@@ -613,6 +537,7 @@
               <a:rPr lang="fr-FR"/>
               <a:t>Deuxième niveau</a:t>
             </a:r>
+            <a:endParaRPr lang="fr-FR"/>
           </a:p>
           <a:p>
             <a:pPr lvl="2"/>
@@ -620,6 +545,7 @@
               <a:rPr lang="fr-FR"/>
               <a:t>Troisième niveau</a:t>
             </a:r>
+            <a:endParaRPr lang="fr-FR"/>
           </a:p>
           <a:p>
             <a:pPr lvl="3"/>
@@ -627,6 +553,7 @@
               <a:rPr lang="fr-FR"/>
               <a:t>Quatrième niveau</a:t>
             </a:r>
+            <a:endParaRPr lang="fr-FR"/>
           </a:p>
           <a:p>
             <a:pPr lvl="4"/>
@@ -634,18 +561,13 @@
               <a:rPr lang="fr-FR"/>
               <a:t>Cinquième niveau</a:t>
             </a:r>
-          </a:p>
-        </p:txBody>
-      </p:sp>
-      <p:sp>
-        <p:nvSpPr>
-          <p:cNvPr id="4" name="Espace réservé de la date 3">
-            <a:extLst>
-              <a:ext uri="{FF2B5EF4-FFF2-40B4-BE49-F238E27FC236}">
-                <a16:creationId xmlns:a16="http://schemas.microsoft.com/office/drawing/2014/main" id="{148498BC-2455-4626-81D1-E610E644DE4B}"/>
-              </a:ext>
-            </a:extLst>
-          </p:cNvPr>
+            <a:endParaRPr lang="fr-FR"/>
+          </a:p>
+        </p:txBody>
+      </p:sp>
+      <p:sp>
+        <p:nvSpPr>
+          <p:cNvPr id="4" name="Espace réservé de la date 3"/>
           <p:cNvSpPr>
             <a:spLocks noGrp="1"/>
           </p:cNvSpPr>
@@ -660,7 +582,6 @@
           <a:p>
             <a:fld id="{B56D2652-DE9D-48DC-8C95-61F5BF8CFDBE}" type="datetimeFigureOut">
               <a:rPr lang="fr-FR" smtClean="0"/>
-              <a:t>24/04/2020</a:t>
             </a:fld>
             <a:endParaRPr lang="fr-FR"/>
           </a:p>
@@ -668,13 +589,7 @@
       </p:sp>
       <p:sp>
         <p:nvSpPr>
-          <p:cNvPr id="5" name="Espace réservé du pied de page 4">
-            <a:extLst>
-              <a:ext uri="{FF2B5EF4-FFF2-40B4-BE49-F238E27FC236}">
-                <a16:creationId xmlns:a16="http://schemas.microsoft.com/office/drawing/2014/main" id="{ADADEEFC-F609-4A64-9973-0027303873AE}"/>
-              </a:ext>
-            </a:extLst>
-          </p:cNvPr>
+          <p:cNvPr id="5" name="Espace réservé du pied de page 4"/>
           <p:cNvSpPr>
             <a:spLocks noGrp="1"/>
           </p:cNvSpPr>
@@ -693,13 +608,7 @@
       </p:sp>
       <p:sp>
         <p:nvSpPr>
-          <p:cNvPr id="6" name="Espace réservé du numéro de diapositive 5">
-            <a:extLst>
-              <a:ext uri="{FF2B5EF4-FFF2-40B4-BE49-F238E27FC236}">
-                <a16:creationId xmlns:a16="http://schemas.microsoft.com/office/drawing/2014/main" id="{DEA13088-9D60-4577-A6CD-20F98ADD3407}"/>
-              </a:ext>
-            </a:extLst>
-          </p:cNvPr>
+          <p:cNvPr id="6" name="Espace réservé du numéro de diapositive 5"/>
           <p:cNvSpPr>
             <a:spLocks noGrp="1"/>
           </p:cNvSpPr>
@@ -714,18 +623,12 @@
           <a:p>
             <a:fld id="{D2644EA1-3967-4E7E-AC05-0E1557AACFC3}" type="slidenum">
               <a:rPr lang="fr-FR" smtClean="0"/>
-              <a:t>‹N°›</a:t>
             </a:fld>
             <a:endParaRPr lang="fr-FR"/>
           </a:p>
         </p:txBody>
       </p:sp>
     </p:spTree>
-    <p:extLst>
-      <p:ext uri="{BB962C8B-B14F-4D97-AF65-F5344CB8AC3E}">
-        <p14:creationId xmlns:p14="http://schemas.microsoft.com/office/powerpoint/2010/main" val="902792761"/>
-      </p:ext>
-    </p:extLst>
   </p:cSld>
   <p:clrMapOvr>
     <a:masterClrMapping/>
@@ -752,13 +655,7 @@
       </p:grpSpPr>
       <p:sp>
         <p:nvSpPr>
-          <p:cNvPr id="2" name="Titre 1">
-            <a:extLst>
-              <a:ext uri="{FF2B5EF4-FFF2-40B4-BE49-F238E27FC236}">
-                <a16:creationId xmlns:a16="http://schemas.microsoft.com/office/drawing/2014/main" id="{332C9B44-4406-4183-8663-81089EBB4E38}"/>
-              </a:ext>
-            </a:extLst>
-          </p:cNvPr>
+          <p:cNvPr id="2" name="Titre 1"/>
           <p:cNvSpPr>
             <a:spLocks noGrp="1"/>
           </p:cNvSpPr>
@@ -775,23 +672,18 @@
               <a:rPr lang="fr-FR"/>
               <a:t>Modifiez le style du titre</a:t>
             </a:r>
-          </a:p>
-        </p:txBody>
-      </p:sp>
-      <p:sp>
-        <p:nvSpPr>
-          <p:cNvPr id="3" name="Espace réservé du contenu 2">
-            <a:extLst>
-              <a:ext uri="{FF2B5EF4-FFF2-40B4-BE49-F238E27FC236}">
-                <a16:creationId xmlns:a16="http://schemas.microsoft.com/office/drawing/2014/main" id="{36E5FA2B-7E0B-4CE5-923B-104EAD84184A}"/>
-              </a:ext>
-            </a:extLst>
-          </p:cNvPr>
-          <p:cNvSpPr>
-            <a:spLocks noGrp="1"/>
-          </p:cNvSpPr>
-          <p:nvPr>
-            <p:ph idx="1"/>
+            <a:endParaRPr lang="fr-FR"/>
+          </a:p>
+        </p:txBody>
+      </p:sp>
+      <p:sp>
+        <p:nvSpPr>
+          <p:cNvPr id="3" name="Espace réservé du contenu 2"/>
+          <p:cNvSpPr>
+            <a:spLocks noGrp="1"/>
+          </p:cNvSpPr>
+          <p:nvPr>
+            <p:ph idx="1" hasCustomPrompt="1"/>
           </p:nvPr>
         </p:nvSpPr>
         <p:spPr/>
@@ -804,6 +696,7 @@
               <a:rPr lang="fr-FR"/>
               <a:t>Cliquez pour modifier les styles du texte du masque</a:t>
             </a:r>
+            <a:endParaRPr lang="fr-FR"/>
           </a:p>
           <a:p>
             <a:pPr lvl="1"/>
@@ -811,6 +704,7 @@
               <a:rPr lang="fr-FR"/>
               <a:t>Deuxième niveau</a:t>
             </a:r>
+            <a:endParaRPr lang="fr-FR"/>
           </a:p>
           <a:p>
             <a:pPr lvl="2"/>
@@ -818,6 +712,7 @@
               <a:rPr lang="fr-FR"/>
               <a:t>Troisième niveau</a:t>
             </a:r>
+            <a:endParaRPr lang="fr-FR"/>
           </a:p>
           <a:p>
             <a:pPr lvl="3"/>
@@ -825,6 +720,7 @@
               <a:rPr lang="fr-FR"/>
               <a:t>Quatrième niveau</a:t>
             </a:r>
+            <a:endParaRPr lang="fr-FR"/>
           </a:p>
           <a:p>
             <a:pPr lvl="4"/>
@@ -832,18 +728,13 @@
               <a:rPr lang="fr-FR"/>
               <a:t>Cinquième niveau</a:t>
             </a:r>
-          </a:p>
-        </p:txBody>
-      </p:sp>
-      <p:sp>
-        <p:nvSpPr>
-          <p:cNvPr id="4" name="Espace réservé de la date 3">
-            <a:extLst>
-              <a:ext uri="{FF2B5EF4-FFF2-40B4-BE49-F238E27FC236}">
-                <a16:creationId xmlns:a16="http://schemas.microsoft.com/office/drawing/2014/main" id="{97F4684F-0EFF-416D-9FCE-3E652E9BDBE7}"/>
-              </a:ext>
-            </a:extLst>
-          </p:cNvPr>
+            <a:endParaRPr lang="fr-FR"/>
+          </a:p>
+        </p:txBody>
+      </p:sp>
+      <p:sp>
+        <p:nvSpPr>
+          <p:cNvPr id="4" name="Espace réservé de la date 3"/>
           <p:cNvSpPr>
             <a:spLocks noGrp="1"/>
           </p:cNvSpPr>
@@ -858,7 +749,6 @@
           <a:p>
             <a:fld id="{B56D2652-DE9D-48DC-8C95-61F5BF8CFDBE}" type="datetimeFigureOut">
               <a:rPr lang="fr-FR" smtClean="0"/>
-              <a:t>24/04/2020</a:t>
             </a:fld>
             <a:endParaRPr lang="fr-FR"/>
           </a:p>
@@ -866,13 +756,7 @@
       </p:sp>
       <p:sp>
         <p:nvSpPr>
-          <p:cNvPr id="5" name="Espace réservé du pied de page 4">
-            <a:extLst>
-              <a:ext uri="{FF2B5EF4-FFF2-40B4-BE49-F238E27FC236}">
-                <a16:creationId xmlns:a16="http://schemas.microsoft.com/office/drawing/2014/main" id="{120FD22E-2EE1-476B-B2A7-1C076A04CE78}"/>
-              </a:ext>
-            </a:extLst>
-          </p:cNvPr>
+          <p:cNvPr id="5" name="Espace réservé du pied de page 4"/>
           <p:cNvSpPr>
             <a:spLocks noGrp="1"/>
           </p:cNvSpPr>
@@ -891,13 +775,7 @@
       </p:sp>
       <p:sp>
         <p:nvSpPr>
-          <p:cNvPr id="6" name="Espace réservé du numéro de diapositive 5">
-            <a:extLst>
-              <a:ext uri="{FF2B5EF4-FFF2-40B4-BE49-F238E27FC236}">
-                <a16:creationId xmlns:a16="http://schemas.microsoft.com/office/drawing/2014/main" id="{B2116AFB-B925-4DDF-9366-F1F68A94BA29}"/>
-              </a:ext>
-            </a:extLst>
-          </p:cNvPr>
+          <p:cNvPr id="6" name="Espace réservé du numéro de diapositive 5"/>
           <p:cNvSpPr>
             <a:spLocks noGrp="1"/>
           </p:cNvSpPr>
@@ -912,18 +790,12 @@
           <a:p>
             <a:fld id="{D2644EA1-3967-4E7E-AC05-0E1557AACFC3}" type="slidenum">
               <a:rPr lang="fr-FR" smtClean="0"/>
-              <a:t>‹N°›</a:t>
             </a:fld>
             <a:endParaRPr lang="fr-FR"/>
           </a:p>
         </p:txBody>
       </p:sp>
     </p:spTree>
-    <p:extLst>
-      <p:ext uri="{BB962C8B-B14F-4D97-AF65-F5344CB8AC3E}">
-        <p14:creationId xmlns:p14="http://schemas.microsoft.com/office/powerpoint/2010/main" val="3629243236"/>
-      </p:ext>
-    </p:extLst>
   </p:cSld>
   <p:clrMapOvr>
     <a:masterClrMapping/>
@@ -950,13 +822,7 @@
       </p:grpSpPr>
       <p:sp>
         <p:nvSpPr>
-          <p:cNvPr id="2" name="Titre 1">
-            <a:extLst>
-              <a:ext uri="{FF2B5EF4-FFF2-40B4-BE49-F238E27FC236}">
-                <a16:creationId xmlns:a16="http://schemas.microsoft.com/office/drawing/2014/main" id="{A56C2AB6-77B6-49AA-87F4-D7E7C67E3B89}"/>
-              </a:ext>
-            </a:extLst>
-          </p:cNvPr>
+          <p:cNvPr id="2" name="Titre 1"/>
           <p:cNvSpPr>
             <a:spLocks noGrp="1"/>
           </p:cNvSpPr>
@@ -982,23 +848,18 @@
               <a:rPr lang="fr-FR"/>
               <a:t>Modifiez le style du titre</a:t>
             </a:r>
-          </a:p>
-        </p:txBody>
-      </p:sp>
-      <p:sp>
-        <p:nvSpPr>
-          <p:cNvPr id="3" name="Espace réservé du texte 2">
-            <a:extLst>
-              <a:ext uri="{FF2B5EF4-FFF2-40B4-BE49-F238E27FC236}">
-                <a16:creationId xmlns:a16="http://schemas.microsoft.com/office/drawing/2014/main" id="{E0347392-F039-4A9E-81C8-34040016A2C6}"/>
-              </a:ext>
-            </a:extLst>
-          </p:cNvPr>
-          <p:cNvSpPr>
-            <a:spLocks noGrp="1"/>
-          </p:cNvSpPr>
-          <p:nvPr>
-            <p:ph type="body" idx="1"/>
+            <a:endParaRPr lang="fr-FR"/>
+          </a:p>
+        </p:txBody>
+      </p:sp>
+      <p:sp>
+        <p:nvSpPr>
+          <p:cNvPr id="3" name="Espace réservé du texte 2"/>
+          <p:cNvSpPr>
+            <a:spLocks noGrp="1"/>
+          </p:cNvSpPr>
+          <p:nvPr>
+            <p:ph type="body" idx="1" hasCustomPrompt="1"/>
           </p:nvPr>
         </p:nvSpPr>
         <p:spPr>
@@ -1107,18 +968,13 @@
               <a:rPr lang="fr-FR"/>
               <a:t>Cliquez pour modifier les styles du texte du masque</a:t>
             </a:r>
-          </a:p>
-        </p:txBody>
-      </p:sp>
-      <p:sp>
-        <p:nvSpPr>
-          <p:cNvPr id="4" name="Espace réservé de la date 3">
-            <a:extLst>
-              <a:ext uri="{FF2B5EF4-FFF2-40B4-BE49-F238E27FC236}">
-                <a16:creationId xmlns:a16="http://schemas.microsoft.com/office/drawing/2014/main" id="{2FFA97AD-2240-482E-B30C-E9D77A26AFAD}"/>
-              </a:ext>
-            </a:extLst>
-          </p:cNvPr>
+            <a:endParaRPr lang="fr-FR"/>
+          </a:p>
+        </p:txBody>
+      </p:sp>
+      <p:sp>
+        <p:nvSpPr>
+          <p:cNvPr id="4" name="Espace réservé de la date 3"/>
           <p:cNvSpPr>
             <a:spLocks noGrp="1"/>
           </p:cNvSpPr>
@@ -1133,7 +989,6 @@
           <a:p>
             <a:fld id="{B56D2652-DE9D-48DC-8C95-61F5BF8CFDBE}" type="datetimeFigureOut">
               <a:rPr lang="fr-FR" smtClean="0"/>
-              <a:t>24/04/2020</a:t>
             </a:fld>
             <a:endParaRPr lang="fr-FR"/>
           </a:p>
@@ -1141,13 +996,7 @@
       </p:sp>
       <p:sp>
         <p:nvSpPr>
-          <p:cNvPr id="5" name="Espace réservé du pied de page 4">
-            <a:extLst>
-              <a:ext uri="{FF2B5EF4-FFF2-40B4-BE49-F238E27FC236}">
-                <a16:creationId xmlns:a16="http://schemas.microsoft.com/office/drawing/2014/main" id="{CDC8BDEF-FB72-476E-A057-F03B45FB8F4E}"/>
-              </a:ext>
-            </a:extLst>
-          </p:cNvPr>
+          <p:cNvPr id="5" name="Espace réservé du pied de page 4"/>
           <p:cNvSpPr>
             <a:spLocks noGrp="1"/>
           </p:cNvSpPr>
@@ -1166,13 +1015,7 @@
       </p:sp>
       <p:sp>
         <p:nvSpPr>
-          <p:cNvPr id="6" name="Espace réservé du numéro de diapositive 5">
-            <a:extLst>
-              <a:ext uri="{FF2B5EF4-FFF2-40B4-BE49-F238E27FC236}">
-                <a16:creationId xmlns:a16="http://schemas.microsoft.com/office/drawing/2014/main" id="{051CA994-A60E-4914-8237-17EA3A2604EB}"/>
-              </a:ext>
-            </a:extLst>
-          </p:cNvPr>
+          <p:cNvPr id="6" name="Espace réservé du numéro de diapositive 5"/>
           <p:cNvSpPr>
             <a:spLocks noGrp="1"/>
           </p:cNvSpPr>
@@ -1187,18 +1030,12 @@
           <a:p>
             <a:fld id="{D2644EA1-3967-4E7E-AC05-0E1557AACFC3}" type="slidenum">
               <a:rPr lang="fr-FR" smtClean="0"/>
-              <a:t>‹N°›</a:t>
             </a:fld>
             <a:endParaRPr lang="fr-FR"/>
           </a:p>
         </p:txBody>
       </p:sp>
     </p:spTree>
-    <p:extLst>
-      <p:ext uri="{BB962C8B-B14F-4D97-AF65-F5344CB8AC3E}">
-        <p14:creationId xmlns:p14="http://schemas.microsoft.com/office/powerpoint/2010/main" val="3702331763"/>
-      </p:ext>
-    </p:extLst>
   </p:cSld>
   <p:clrMapOvr>
     <a:masterClrMapping/>
@@ -1225,13 +1062,7 @@
       </p:grpSpPr>
       <p:sp>
         <p:nvSpPr>
-          <p:cNvPr id="2" name="Titre 1">
-            <a:extLst>
-              <a:ext uri="{FF2B5EF4-FFF2-40B4-BE49-F238E27FC236}">
-                <a16:creationId xmlns:a16="http://schemas.microsoft.com/office/drawing/2014/main" id="{B14D048A-7F49-4D92-8296-621F97807453}"/>
-              </a:ext>
-            </a:extLst>
-          </p:cNvPr>
+          <p:cNvPr id="2" name="Titre 1"/>
           <p:cNvSpPr>
             <a:spLocks noGrp="1"/>
           </p:cNvSpPr>
@@ -1248,23 +1079,18 @@
               <a:rPr lang="fr-FR"/>
               <a:t>Modifiez le style du titre</a:t>
             </a:r>
-          </a:p>
-        </p:txBody>
-      </p:sp>
-      <p:sp>
-        <p:nvSpPr>
-          <p:cNvPr id="3" name="Espace réservé du contenu 2">
-            <a:extLst>
-              <a:ext uri="{FF2B5EF4-FFF2-40B4-BE49-F238E27FC236}">
-                <a16:creationId xmlns:a16="http://schemas.microsoft.com/office/drawing/2014/main" id="{25822C08-A55B-4ECF-A468-19499A9512CB}"/>
-              </a:ext>
-            </a:extLst>
-          </p:cNvPr>
-          <p:cNvSpPr>
-            <a:spLocks noGrp="1"/>
-          </p:cNvSpPr>
-          <p:nvPr>
-            <p:ph sz="half" idx="1"/>
+            <a:endParaRPr lang="fr-FR"/>
+          </a:p>
+        </p:txBody>
+      </p:sp>
+      <p:sp>
+        <p:nvSpPr>
+          <p:cNvPr id="3" name="Espace réservé du contenu 2"/>
+          <p:cNvSpPr>
+            <a:spLocks noGrp="1"/>
+          </p:cNvSpPr>
+          <p:nvPr>
+            <p:ph sz="half" idx="1" hasCustomPrompt="1"/>
           </p:nvPr>
         </p:nvSpPr>
         <p:spPr>
@@ -1282,6 +1108,7 @@
               <a:rPr lang="fr-FR"/>
               <a:t>Cliquez pour modifier les styles du texte du masque</a:t>
             </a:r>
+            <a:endParaRPr lang="fr-FR"/>
           </a:p>
           <a:p>
             <a:pPr lvl="1"/>
@@ -1289,6 +1116,7 @@
               <a:rPr lang="fr-FR"/>
               <a:t>Deuxième niveau</a:t>
             </a:r>
+            <a:endParaRPr lang="fr-FR"/>
           </a:p>
           <a:p>
             <a:pPr lvl="2"/>
@@ -1296,6 +1124,7 @@
               <a:rPr lang="fr-FR"/>
               <a:t>Troisième niveau</a:t>
             </a:r>
+            <a:endParaRPr lang="fr-FR"/>
           </a:p>
           <a:p>
             <a:pPr lvl="3"/>
@@ -1303,6 +1132,7 @@
               <a:rPr lang="fr-FR"/>
               <a:t>Quatrième niveau</a:t>
             </a:r>
+            <a:endParaRPr lang="fr-FR"/>
           </a:p>
           <a:p>
             <a:pPr lvl="4"/>
@@ -1310,23 +1140,18 @@
               <a:rPr lang="fr-FR"/>
               <a:t>Cinquième niveau</a:t>
             </a:r>
-          </a:p>
-        </p:txBody>
-      </p:sp>
-      <p:sp>
-        <p:nvSpPr>
-          <p:cNvPr id="4" name="Espace réservé du contenu 3">
-            <a:extLst>
-              <a:ext uri="{FF2B5EF4-FFF2-40B4-BE49-F238E27FC236}">
-                <a16:creationId xmlns:a16="http://schemas.microsoft.com/office/drawing/2014/main" id="{FE6CC1FC-273B-490C-8CB9-F6D33E51C039}"/>
-              </a:ext>
-            </a:extLst>
-          </p:cNvPr>
-          <p:cNvSpPr>
-            <a:spLocks noGrp="1"/>
-          </p:cNvSpPr>
-          <p:nvPr>
-            <p:ph sz="half" idx="2"/>
+            <a:endParaRPr lang="fr-FR"/>
+          </a:p>
+        </p:txBody>
+      </p:sp>
+      <p:sp>
+        <p:nvSpPr>
+          <p:cNvPr id="4" name="Espace réservé du contenu 3"/>
+          <p:cNvSpPr>
+            <a:spLocks noGrp="1"/>
+          </p:cNvSpPr>
+          <p:nvPr>
+            <p:ph sz="half" idx="2" hasCustomPrompt="1"/>
           </p:nvPr>
         </p:nvSpPr>
         <p:spPr>
@@ -1344,6 +1169,7 @@
               <a:rPr lang="fr-FR"/>
               <a:t>Cliquez pour modifier les styles du texte du masque</a:t>
             </a:r>
+            <a:endParaRPr lang="fr-FR"/>
           </a:p>
           <a:p>
             <a:pPr lvl="1"/>
@@ -1351,6 +1177,7 @@
               <a:rPr lang="fr-FR"/>
               <a:t>Deuxième niveau</a:t>
             </a:r>
+            <a:endParaRPr lang="fr-FR"/>
           </a:p>
           <a:p>
             <a:pPr lvl="2"/>
@@ -1358,6 +1185,7 @@
               <a:rPr lang="fr-FR"/>
               <a:t>Troisième niveau</a:t>
             </a:r>
+            <a:endParaRPr lang="fr-FR"/>
           </a:p>
           <a:p>
             <a:pPr lvl="3"/>
@@ -1365,6 +1193,7 @@
               <a:rPr lang="fr-FR"/>
               <a:t>Quatrième niveau</a:t>
             </a:r>
+            <a:endParaRPr lang="fr-FR"/>
           </a:p>
           <a:p>
             <a:pPr lvl="4"/>
@@ -1372,18 +1201,13 @@
               <a:rPr lang="fr-FR"/>
               <a:t>Cinquième niveau</a:t>
             </a:r>
-          </a:p>
-        </p:txBody>
-      </p:sp>
-      <p:sp>
-        <p:nvSpPr>
-          <p:cNvPr id="5" name="Espace réservé de la date 4">
-            <a:extLst>
-              <a:ext uri="{FF2B5EF4-FFF2-40B4-BE49-F238E27FC236}">
-                <a16:creationId xmlns:a16="http://schemas.microsoft.com/office/drawing/2014/main" id="{5DC7F3FD-174D-4131-BDCB-593D1269650E}"/>
-              </a:ext>
-            </a:extLst>
-          </p:cNvPr>
+            <a:endParaRPr lang="fr-FR"/>
+          </a:p>
+        </p:txBody>
+      </p:sp>
+      <p:sp>
+        <p:nvSpPr>
+          <p:cNvPr id="5" name="Espace réservé de la date 4"/>
           <p:cNvSpPr>
             <a:spLocks noGrp="1"/>
           </p:cNvSpPr>
@@ -1398,7 +1222,6 @@
           <a:p>
             <a:fld id="{B56D2652-DE9D-48DC-8C95-61F5BF8CFDBE}" type="datetimeFigureOut">
               <a:rPr lang="fr-FR" smtClean="0"/>
-              <a:t>24/04/2020</a:t>
             </a:fld>
             <a:endParaRPr lang="fr-FR"/>
           </a:p>
@@ -1406,13 +1229,7 @@
       </p:sp>
       <p:sp>
         <p:nvSpPr>
-          <p:cNvPr id="6" name="Espace réservé du pied de page 5">
-            <a:extLst>
-              <a:ext uri="{FF2B5EF4-FFF2-40B4-BE49-F238E27FC236}">
-                <a16:creationId xmlns:a16="http://schemas.microsoft.com/office/drawing/2014/main" id="{3090C967-F96F-42CC-8D96-7EE5DECC765A}"/>
-              </a:ext>
-            </a:extLst>
-          </p:cNvPr>
+          <p:cNvPr id="6" name="Espace réservé du pied de page 5"/>
           <p:cNvSpPr>
             <a:spLocks noGrp="1"/>
           </p:cNvSpPr>
@@ -1431,13 +1248,7 @@
       </p:sp>
       <p:sp>
         <p:nvSpPr>
-          <p:cNvPr id="7" name="Espace réservé du numéro de diapositive 6">
-            <a:extLst>
-              <a:ext uri="{FF2B5EF4-FFF2-40B4-BE49-F238E27FC236}">
-                <a16:creationId xmlns:a16="http://schemas.microsoft.com/office/drawing/2014/main" id="{922C4009-5F41-4BD2-A6FD-44770656EFEC}"/>
-              </a:ext>
-            </a:extLst>
-          </p:cNvPr>
+          <p:cNvPr id="7" name="Espace réservé du numéro de diapositive 6"/>
           <p:cNvSpPr>
             <a:spLocks noGrp="1"/>
           </p:cNvSpPr>
@@ -1452,18 +1263,12 @@
           <a:p>
             <a:fld id="{D2644EA1-3967-4E7E-AC05-0E1557AACFC3}" type="slidenum">
               <a:rPr lang="fr-FR" smtClean="0"/>
-              <a:t>‹N°›</a:t>
             </a:fld>
             <a:endParaRPr lang="fr-FR"/>
           </a:p>
         </p:txBody>
       </p:sp>
     </p:spTree>
-    <p:extLst>
-      <p:ext uri="{BB962C8B-B14F-4D97-AF65-F5344CB8AC3E}">
-        <p14:creationId xmlns:p14="http://schemas.microsoft.com/office/powerpoint/2010/main" val="4126940157"/>
-      </p:ext>
-    </p:extLst>
   </p:cSld>
   <p:clrMapOvr>
     <a:masterClrMapping/>
@@ -1490,13 +1295,7 @@
       </p:grpSpPr>
       <p:sp>
         <p:nvSpPr>
-          <p:cNvPr id="2" name="Titre 1">
-            <a:extLst>
-              <a:ext uri="{FF2B5EF4-FFF2-40B4-BE49-F238E27FC236}">
-                <a16:creationId xmlns:a16="http://schemas.microsoft.com/office/drawing/2014/main" id="{3487B2AC-8A43-47B3-A985-7951A1A07E3A}"/>
-              </a:ext>
-            </a:extLst>
-          </p:cNvPr>
+          <p:cNvPr id="2" name="Titre 1"/>
           <p:cNvSpPr>
             <a:spLocks noGrp="1"/>
           </p:cNvSpPr>
@@ -1518,23 +1317,18 @@
               <a:rPr lang="fr-FR"/>
               <a:t>Modifiez le style du titre</a:t>
             </a:r>
-          </a:p>
-        </p:txBody>
-      </p:sp>
-      <p:sp>
-        <p:nvSpPr>
-          <p:cNvPr id="3" name="Espace réservé du texte 2">
-            <a:extLst>
-              <a:ext uri="{FF2B5EF4-FFF2-40B4-BE49-F238E27FC236}">
-                <a16:creationId xmlns:a16="http://schemas.microsoft.com/office/drawing/2014/main" id="{4CBBA897-C7EB-47D9-A73D-8D3A475E6712}"/>
-              </a:ext>
-            </a:extLst>
-          </p:cNvPr>
-          <p:cNvSpPr>
-            <a:spLocks noGrp="1"/>
-          </p:cNvSpPr>
-          <p:nvPr>
-            <p:ph type="body" idx="1"/>
+            <a:endParaRPr lang="fr-FR"/>
+          </a:p>
+        </p:txBody>
+      </p:sp>
+      <p:sp>
+        <p:nvSpPr>
+          <p:cNvPr id="3" name="Espace réservé du texte 2"/>
+          <p:cNvSpPr>
+            <a:spLocks noGrp="1"/>
+          </p:cNvSpPr>
+          <p:nvPr>
+            <p:ph type="body" idx="1" hasCustomPrompt="1"/>
           </p:nvPr>
         </p:nvSpPr>
         <p:spPr>
@@ -1589,23 +1383,18 @@
               <a:rPr lang="fr-FR"/>
               <a:t>Cliquez pour modifier les styles du texte du masque</a:t>
             </a:r>
-          </a:p>
-        </p:txBody>
-      </p:sp>
-      <p:sp>
-        <p:nvSpPr>
-          <p:cNvPr id="4" name="Espace réservé du contenu 3">
-            <a:extLst>
-              <a:ext uri="{FF2B5EF4-FFF2-40B4-BE49-F238E27FC236}">
-                <a16:creationId xmlns:a16="http://schemas.microsoft.com/office/drawing/2014/main" id="{6FABCB7D-AD3C-4751-925E-605C1AE151CA}"/>
-              </a:ext>
-            </a:extLst>
-          </p:cNvPr>
-          <p:cNvSpPr>
-            <a:spLocks noGrp="1"/>
-          </p:cNvSpPr>
-          <p:nvPr>
-            <p:ph sz="half" idx="2"/>
+            <a:endParaRPr lang="fr-FR"/>
+          </a:p>
+        </p:txBody>
+      </p:sp>
+      <p:sp>
+        <p:nvSpPr>
+          <p:cNvPr id="4" name="Espace réservé du contenu 3"/>
+          <p:cNvSpPr>
+            <a:spLocks noGrp="1"/>
+          </p:cNvSpPr>
+          <p:nvPr>
+            <p:ph sz="half" idx="2" hasCustomPrompt="1"/>
           </p:nvPr>
         </p:nvSpPr>
         <p:spPr>
@@ -1623,6 +1412,7 @@
               <a:rPr lang="fr-FR"/>
               <a:t>Cliquez pour modifier les styles du texte du masque</a:t>
             </a:r>
+            <a:endParaRPr lang="fr-FR"/>
           </a:p>
           <a:p>
             <a:pPr lvl="1"/>
@@ -1630,6 +1420,7 @@
               <a:rPr lang="fr-FR"/>
               <a:t>Deuxième niveau</a:t>
             </a:r>
+            <a:endParaRPr lang="fr-FR"/>
           </a:p>
           <a:p>
             <a:pPr lvl="2"/>
@@ -1637,6 +1428,7 @@
               <a:rPr lang="fr-FR"/>
               <a:t>Troisième niveau</a:t>
             </a:r>
+            <a:endParaRPr lang="fr-FR"/>
           </a:p>
           <a:p>
             <a:pPr lvl="3"/>
@@ -1644,6 +1436,7 @@
               <a:rPr lang="fr-FR"/>
               <a:t>Quatrième niveau</a:t>
             </a:r>
+            <a:endParaRPr lang="fr-FR"/>
           </a:p>
           <a:p>
             <a:pPr lvl="4"/>
@@ -1651,23 +1444,18 @@
               <a:rPr lang="fr-FR"/>
               <a:t>Cinquième niveau</a:t>
             </a:r>
-          </a:p>
-        </p:txBody>
-      </p:sp>
-      <p:sp>
-        <p:nvSpPr>
-          <p:cNvPr id="5" name="Espace réservé du texte 4">
-            <a:extLst>
-              <a:ext uri="{FF2B5EF4-FFF2-40B4-BE49-F238E27FC236}">
-                <a16:creationId xmlns:a16="http://schemas.microsoft.com/office/drawing/2014/main" id="{D48E2A65-7B06-4998-80DC-4749086E721D}"/>
-              </a:ext>
-            </a:extLst>
-          </p:cNvPr>
-          <p:cNvSpPr>
-            <a:spLocks noGrp="1"/>
-          </p:cNvSpPr>
-          <p:nvPr>
-            <p:ph type="body" sz="quarter" idx="3"/>
+            <a:endParaRPr lang="fr-FR"/>
+          </a:p>
+        </p:txBody>
+      </p:sp>
+      <p:sp>
+        <p:nvSpPr>
+          <p:cNvPr id="5" name="Espace réservé du texte 4"/>
+          <p:cNvSpPr>
+            <a:spLocks noGrp="1"/>
+          </p:cNvSpPr>
+          <p:nvPr>
+            <p:ph type="body" sz="quarter" idx="3" hasCustomPrompt="1"/>
           </p:nvPr>
         </p:nvSpPr>
         <p:spPr>
@@ -1722,23 +1510,18 @@
               <a:rPr lang="fr-FR"/>
               <a:t>Cliquez pour modifier les styles du texte du masque</a:t>
             </a:r>
-          </a:p>
-        </p:txBody>
-      </p:sp>
-      <p:sp>
-        <p:nvSpPr>
-          <p:cNvPr id="6" name="Espace réservé du contenu 5">
-            <a:extLst>
-              <a:ext uri="{FF2B5EF4-FFF2-40B4-BE49-F238E27FC236}">
-                <a16:creationId xmlns:a16="http://schemas.microsoft.com/office/drawing/2014/main" id="{FB9C192D-A6A3-48E6-81CE-F9D2E1DB7839}"/>
-              </a:ext>
-            </a:extLst>
-          </p:cNvPr>
-          <p:cNvSpPr>
-            <a:spLocks noGrp="1"/>
-          </p:cNvSpPr>
-          <p:nvPr>
-            <p:ph sz="quarter" idx="4"/>
+            <a:endParaRPr lang="fr-FR"/>
+          </a:p>
+        </p:txBody>
+      </p:sp>
+      <p:sp>
+        <p:nvSpPr>
+          <p:cNvPr id="6" name="Espace réservé du contenu 5"/>
+          <p:cNvSpPr>
+            <a:spLocks noGrp="1"/>
+          </p:cNvSpPr>
+          <p:nvPr>
+            <p:ph sz="quarter" idx="4" hasCustomPrompt="1"/>
           </p:nvPr>
         </p:nvSpPr>
         <p:spPr>
@@ -1756,6 +1539,7 @@
               <a:rPr lang="fr-FR"/>
               <a:t>Cliquez pour modifier les styles du texte du masque</a:t>
             </a:r>
+            <a:endParaRPr lang="fr-FR"/>
           </a:p>
           <a:p>
             <a:pPr lvl="1"/>
@@ -1763,6 +1547,7 @@
               <a:rPr lang="fr-FR"/>
               <a:t>Deuxième niveau</a:t>
             </a:r>
+            <a:endParaRPr lang="fr-FR"/>
           </a:p>
           <a:p>
             <a:pPr lvl="2"/>
@@ -1770,6 +1555,7 @@
               <a:rPr lang="fr-FR"/>
               <a:t>Troisième niveau</a:t>
             </a:r>
+            <a:endParaRPr lang="fr-FR"/>
           </a:p>
           <a:p>
             <a:pPr lvl="3"/>
@@ -1777,6 +1563,7 @@
               <a:rPr lang="fr-FR"/>
               <a:t>Quatrième niveau</a:t>
             </a:r>
+            <a:endParaRPr lang="fr-FR"/>
           </a:p>
           <a:p>
             <a:pPr lvl="4"/>
@@ -1784,18 +1571,13 @@
               <a:rPr lang="fr-FR"/>
               <a:t>Cinquième niveau</a:t>
             </a:r>
-          </a:p>
-        </p:txBody>
-      </p:sp>
-      <p:sp>
-        <p:nvSpPr>
-          <p:cNvPr id="7" name="Espace réservé de la date 6">
-            <a:extLst>
-              <a:ext uri="{FF2B5EF4-FFF2-40B4-BE49-F238E27FC236}">
-                <a16:creationId xmlns:a16="http://schemas.microsoft.com/office/drawing/2014/main" id="{7430D1C9-8D3A-451B-A830-0D9438DF927A}"/>
-              </a:ext>
-            </a:extLst>
-          </p:cNvPr>
+            <a:endParaRPr lang="fr-FR"/>
+          </a:p>
+        </p:txBody>
+      </p:sp>
+      <p:sp>
+        <p:nvSpPr>
+          <p:cNvPr id="7" name="Espace réservé de la date 6"/>
           <p:cNvSpPr>
             <a:spLocks noGrp="1"/>
           </p:cNvSpPr>
@@ -1810,7 +1592,6 @@
           <a:p>
             <a:fld id="{B56D2652-DE9D-48DC-8C95-61F5BF8CFDBE}" type="datetimeFigureOut">
               <a:rPr lang="fr-FR" smtClean="0"/>
-              <a:t>24/04/2020</a:t>
             </a:fld>
             <a:endParaRPr lang="fr-FR"/>
           </a:p>
@@ -1818,13 +1599,7 @@
       </p:sp>
       <p:sp>
         <p:nvSpPr>
-          <p:cNvPr id="8" name="Espace réservé du pied de page 7">
-            <a:extLst>
-              <a:ext uri="{FF2B5EF4-FFF2-40B4-BE49-F238E27FC236}">
-                <a16:creationId xmlns:a16="http://schemas.microsoft.com/office/drawing/2014/main" id="{41EB8F1E-C553-43C1-A1FF-CCA9BC59ACC5}"/>
-              </a:ext>
-            </a:extLst>
-          </p:cNvPr>
+          <p:cNvPr id="8" name="Espace réservé du pied de page 7"/>
           <p:cNvSpPr>
             <a:spLocks noGrp="1"/>
           </p:cNvSpPr>
@@ -1843,13 +1618,7 @@
       </p:sp>
       <p:sp>
         <p:nvSpPr>
-          <p:cNvPr id="9" name="Espace réservé du numéro de diapositive 8">
-            <a:extLst>
-              <a:ext uri="{FF2B5EF4-FFF2-40B4-BE49-F238E27FC236}">
-                <a16:creationId xmlns:a16="http://schemas.microsoft.com/office/drawing/2014/main" id="{E6DF66BD-202C-4EFD-AA22-55C96CB07993}"/>
-              </a:ext>
-            </a:extLst>
-          </p:cNvPr>
+          <p:cNvPr id="9" name="Espace réservé du numéro de diapositive 8"/>
           <p:cNvSpPr>
             <a:spLocks noGrp="1"/>
           </p:cNvSpPr>
@@ -1864,18 +1633,12 @@
           <a:p>
             <a:fld id="{D2644EA1-3967-4E7E-AC05-0E1557AACFC3}" type="slidenum">
               <a:rPr lang="fr-FR" smtClean="0"/>
-              <a:t>‹N°›</a:t>
             </a:fld>
             <a:endParaRPr lang="fr-FR"/>
           </a:p>
         </p:txBody>
       </p:sp>
     </p:spTree>
-    <p:extLst>
-      <p:ext uri="{BB962C8B-B14F-4D97-AF65-F5344CB8AC3E}">
-        <p14:creationId xmlns:p14="http://schemas.microsoft.com/office/powerpoint/2010/main" val="1424907239"/>
-      </p:ext>
-    </p:extLst>
   </p:cSld>
   <p:clrMapOvr>
     <a:masterClrMapping/>
@@ -1902,13 +1665,7 @@
       </p:grpSpPr>
       <p:sp>
         <p:nvSpPr>
-          <p:cNvPr id="2" name="Titre 1">
-            <a:extLst>
-              <a:ext uri="{FF2B5EF4-FFF2-40B4-BE49-F238E27FC236}">
-                <a16:creationId xmlns:a16="http://schemas.microsoft.com/office/drawing/2014/main" id="{34008A1B-F130-4D0A-B2A8-844A2682423A}"/>
-              </a:ext>
-            </a:extLst>
-          </p:cNvPr>
+          <p:cNvPr id="2" name="Titre 1"/>
           <p:cNvSpPr>
             <a:spLocks noGrp="1"/>
           </p:cNvSpPr>
@@ -1925,18 +1682,13 @@
               <a:rPr lang="fr-FR"/>
               <a:t>Modifiez le style du titre</a:t>
             </a:r>
-          </a:p>
-        </p:txBody>
-      </p:sp>
-      <p:sp>
-        <p:nvSpPr>
-          <p:cNvPr id="3" name="Espace réservé de la date 2">
-            <a:extLst>
-              <a:ext uri="{FF2B5EF4-FFF2-40B4-BE49-F238E27FC236}">
-                <a16:creationId xmlns:a16="http://schemas.microsoft.com/office/drawing/2014/main" id="{2C22C29F-4F1C-4C9B-B576-7B55B0097D45}"/>
-              </a:ext>
-            </a:extLst>
-          </p:cNvPr>
+            <a:endParaRPr lang="fr-FR"/>
+          </a:p>
+        </p:txBody>
+      </p:sp>
+      <p:sp>
+        <p:nvSpPr>
+          <p:cNvPr id="3" name="Espace réservé de la date 2"/>
           <p:cNvSpPr>
             <a:spLocks noGrp="1"/>
           </p:cNvSpPr>
@@ -1951,7 +1703,6 @@
           <a:p>
             <a:fld id="{B56D2652-DE9D-48DC-8C95-61F5BF8CFDBE}" type="datetimeFigureOut">
               <a:rPr lang="fr-FR" smtClean="0"/>
-              <a:t>24/04/2020</a:t>
             </a:fld>
             <a:endParaRPr lang="fr-FR"/>
           </a:p>
@@ -1959,13 +1710,7 @@
       </p:sp>
       <p:sp>
         <p:nvSpPr>
-          <p:cNvPr id="4" name="Espace réservé du pied de page 3">
-            <a:extLst>
-              <a:ext uri="{FF2B5EF4-FFF2-40B4-BE49-F238E27FC236}">
-                <a16:creationId xmlns:a16="http://schemas.microsoft.com/office/drawing/2014/main" id="{843DA4A8-5345-4418-82E6-917F39F900E7}"/>
-              </a:ext>
-            </a:extLst>
-          </p:cNvPr>
+          <p:cNvPr id="4" name="Espace réservé du pied de page 3"/>
           <p:cNvSpPr>
             <a:spLocks noGrp="1"/>
           </p:cNvSpPr>
@@ -1984,13 +1729,7 @@
       </p:sp>
       <p:sp>
         <p:nvSpPr>
-          <p:cNvPr id="5" name="Espace réservé du numéro de diapositive 4">
-            <a:extLst>
-              <a:ext uri="{FF2B5EF4-FFF2-40B4-BE49-F238E27FC236}">
-                <a16:creationId xmlns:a16="http://schemas.microsoft.com/office/drawing/2014/main" id="{0C078CDC-0EB1-4333-8759-3B1EBE88B6C2}"/>
-              </a:ext>
-            </a:extLst>
-          </p:cNvPr>
+          <p:cNvPr id="5" name="Espace réservé du numéro de diapositive 4"/>
           <p:cNvSpPr>
             <a:spLocks noGrp="1"/>
           </p:cNvSpPr>
@@ -2005,18 +1744,12 @@
           <a:p>
             <a:fld id="{D2644EA1-3967-4E7E-AC05-0E1557AACFC3}" type="slidenum">
               <a:rPr lang="fr-FR" smtClean="0"/>
-              <a:t>‹N°›</a:t>
             </a:fld>
             <a:endParaRPr lang="fr-FR"/>
           </a:p>
         </p:txBody>
       </p:sp>
     </p:spTree>
-    <p:extLst>
-      <p:ext uri="{BB962C8B-B14F-4D97-AF65-F5344CB8AC3E}">
-        <p14:creationId xmlns:p14="http://schemas.microsoft.com/office/powerpoint/2010/main" val="1267185831"/>
-      </p:ext>
-    </p:extLst>
   </p:cSld>
   <p:clrMapOvr>
     <a:masterClrMapping/>
@@ -2043,13 +1776,7 @@
       </p:grpSpPr>
       <p:sp>
         <p:nvSpPr>
-          <p:cNvPr id="2" name="Espace réservé de la date 1">
-            <a:extLst>
-              <a:ext uri="{FF2B5EF4-FFF2-40B4-BE49-F238E27FC236}">
-                <a16:creationId xmlns:a16="http://schemas.microsoft.com/office/drawing/2014/main" id="{439CEBF9-02D1-4B45-A2D8-4243B15A8C80}"/>
-              </a:ext>
-            </a:extLst>
-          </p:cNvPr>
+          <p:cNvPr id="2" name="Espace réservé de la date 1"/>
           <p:cNvSpPr>
             <a:spLocks noGrp="1"/>
           </p:cNvSpPr>
@@ -2064,7 +1791,6 @@
           <a:p>
             <a:fld id="{B56D2652-DE9D-48DC-8C95-61F5BF8CFDBE}" type="datetimeFigureOut">
               <a:rPr lang="fr-FR" smtClean="0"/>
-              <a:t>24/04/2020</a:t>
             </a:fld>
             <a:endParaRPr lang="fr-FR"/>
           </a:p>
@@ -2072,13 +1798,7 @@
       </p:sp>
       <p:sp>
         <p:nvSpPr>
-          <p:cNvPr id="3" name="Espace réservé du pied de page 2">
-            <a:extLst>
-              <a:ext uri="{FF2B5EF4-FFF2-40B4-BE49-F238E27FC236}">
-                <a16:creationId xmlns:a16="http://schemas.microsoft.com/office/drawing/2014/main" id="{6C15627A-4936-4AAA-BFC8-AB190E06D953}"/>
-              </a:ext>
-            </a:extLst>
-          </p:cNvPr>
+          <p:cNvPr id="3" name="Espace réservé du pied de page 2"/>
           <p:cNvSpPr>
             <a:spLocks noGrp="1"/>
           </p:cNvSpPr>
@@ -2097,13 +1817,7 @@
       </p:sp>
       <p:sp>
         <p:nvSpPr>
-          <p:cNvPr id="4" name="Espace réservé du numéro de diapositive 3">
-            <a:extLst>
-              <a:ext uri="{FF2B5EF4-FFF2-40B4-BE49-F238E27FC236}">
-                <a16:creationId xmlns:a16="http://schemas.microsoft.com/office/drawing/2014/main" id="{62A259B5-546C-40E7-ACAE-AA47D9A436A7}"/>
-              </a:ext>
-            </a:extLst>
-          </p:cNvPr>
+          <p:cNvPr id="4" name="Espace réservé du numéro de diapositive 3"/>
           <p:cNvSpPr>
             <a:spLocks noGrp="1"/>
           </p:cNvSpPr>
@@ -2118,18 +1832,12 @@
           <a:p>
             <a:fld id="{D2644EA1-3967-4E7E-AC05-0E1557AACFC3}" type="slidenum">
               <a:rPr lang="fr-FR" smtClean="0"/>
-              <a:t>‹N°›</a:t>
             </a:fld>
             <a:endParaRPr lang="fr-FR"/>
           </a:p>
         </p:txBody>
       </p:sp>
     </p:spTree>
-    <p:extLst>
-      <p:ext uri="{BB962C8B-B14F-4D97-AF65-F5344CB8AC3E}">
-        <p14:creationId xmlns:p14="http://schemas.microsoft.com/office/powerpoint/2010/main" val="1695073652"/>
-      </p:ext>
-    </p:extLst>
   </p:cSld>
   <p:clrMapOvr>
     <a:masterClrMapping/>
@@ -2156,13 +1864,7 @@
       </p:grpSpPr>
       <p:sp>
         <p:nvSpPr>
-          <p:cNvPr id="2" name="Titre 1">
-            <a:extLst>
-              <a:ext uri="{FF2B5EF4-FFF2-40B4-BE49-F238E27FC236}">
-                <a16:creationId xmlns:a16="http://schemas.microsoft.com/office/drawing/2014/main" id="{AF515E37-EA4B-454B-A0E7-4A10647B803B}"/>
-              </a:ext>
-            </a:extLst>
-          </p:cNvPr>
+          <p:cNvPr id="2" name="Titre 1"/>
           <p:cNvSpPr>
             <a:spLocks noGrp="1"/>
           </p:cNvSpPr>
@@ -2188,23 +1890,18 @@
               <a:rPr lang="fr-FR"/>
               <a:t>Modifiez le style du titre</a:t>
             </a:r>
-          </a:p>
-        </p:txBody>
-      </p:sp>
-      <p:sp>
-        <p:nvSpPr>
-          <p:cNvPr id="3" name="Espace réservé du contenu 2">
-            <a:extLst>
-              <a:ext uri="{FF2B5EF4-FFF2-40B4-BE49-F238E27FC236}">
-                <a16:creationId xmlns:a16="http://schemas.microsoft.com/office/drawing/2014/main" id="{114DD2C4-1183-4B2E-BB0B-42B9D06CB49E}"/>
-              </a:ext>
-            </a:extLst>
-          </p:cNvPr>
-          <p:cNvSpPr>
-            <a:spLocks noGrp="1"/>
-          </p:cNvSpPr>
-          <p:nvPr>
-            <p:ph idx="1"/>
+            <a:endParaRPr lang="fr-FR"/>
+          </a:p>
+        </p:txBody>
+      </p:sp>
+      <p:sp>
+        <p:nvSpPr>
+          <p:cNvPr id="3" name="Espace réservé du contenu 2"/>
+          <p:cNvSpPr>
+            <a:spLocks noGrp="1"/>
+          </p:cNvSpPr>
+          <p:nvPr>
+            <p:ph idx="1" hasCustomPrompt="1"/>
           </p:nvPr>
         </p:nvSpPr>
         <p:spPr>
@@ -2250,6 +1947,7 @@
               <a:rPr lang="fr-FR"/>
               <a:t>Cliquez pour modifier les styles du texte du masque</a:t>
             </a:r>
+            <a:endParaRPr lang="fr-FR"/>
           </a:p>
           <a:p>
             <a:pPr lvl="1"/>
@@ -2257,6 +1955,7 @@
               <a:rPr lang="fr-FR"/>
               <a:t>Deuxième niveau</a:t>
             </a:r>
+            <a:endParaRPr lang="fr-FR"/>
           </a:p>
           <a:p>
             <a:pPr lvl="2"/>
@@ -2264,6 +1963,7 @@
               <a:rPr lang="fr-FR"/>
               <a:t>Troisième niveau</a:t>
             </a:r>
+            <a:endParaRPr lang="fr-FR"/>
           </a:p>
           <a:p>
             <a:pPr lvl="3"/>
@@ -2271,6 +1971,7 @@
               <a:rPr lang="fr-FR"/>
               <a:t>Quatrième niveau</a:t>
             </a:r>
+            <a:endParaRPr lang="fr-FR"/>
           </a:p>
           <a:p>
             <a:pPr lvl="4"/>
@@ -2278,23 +1979,18 @@
               <a:rPr lang="fr-FR"/>
               <a:t>Cinquième niveau</a:t>
             </a:r>
-          </a:p>
-        </p:txBody>
-      </p:sp>
-      <p:sp>
-        <p:nvSpPr>
-          <p:cNvPr id="4" name="Espace réservé du texte 3">
-            <a:extLst>
-              <a:ext uri="{FF2B5EF4-FFF2-40B4-BE49-F238E27FC236}">
-                <a16:creationId xmlns:a16="http://schemas.microsoft.com/office/drawing/2014/main" id="{7DD6BF98-B250-4614-8484-40EC3EAB24B2}"/>
-              </a:ext>
-            </a:extLst>
-          </p:cNvPr>
-          <p:cNvSpPr>
-            <a:spLocks noGrp="1"/>
-          </p:cNvSpPr>
-          <p:nvPr>
-            <p:ph type="body" sz="half" idx="2"/>
+            <a:endParaRPr lang="fr-FR"/>
+          </a:p>
+        </p:txBody>
+      </p:sp>
+      <p:sp>
+        <p:nvSpPr>
+          <p:cNvPr id="4" name="Espace réservé du texte 3"/>
+          <p:cNvSpPr>
+            <a:spLocks noGrp="1"/>
+          </p:cNvSpPr>
+          <p:nvPr>
+            <p:ph type="body" sz="half" idx="2" hasCustomPrompt="1"/>
           </p:nvPr>
         </p:nvSpPr>
         <p:spPr>
@@ -2349,18 +2045,13 @@
               <a:rPr lang="fr-FR"/>
               <a:t>Cliquez pour modifier les styles du texte du masque</a:t>
             </a:r>
-          </a:p>
-        </p:txBody>
-      </p:sp>
-      <p:sp>
-        <p:nvSpPr>
-          <p:cNvPr id="5" name="Espace réservé de la date 4">
-            <a:extLst>
-              <a:ext uri="{FF2B5EF4-FFF2-40B4-BE49-F238E27FC236}">
-                <a16:creationId xmlns:a16="http://schemas.microsoft.com/office/drawing/2014/main" id="{0813A069-18B3-4E17-A763-EB83F8DDC7C0}"/>
-              </a:ext>
-            </a:extLst>
-          </p:cNvPr>
+            <a:endParaRPr lang="fr-FR"/>
+          </a:p>
+        </p:txBody>
+      </p:sp>
+      <p:sp>
+        <p:nvSpPr>
+          <p:cNvPr id="5" name="Espace réservé de la date 4"/>
           <p:cNvSpPr>
             <a:spLocks noGrp="1"/>
           </p:cNvSpPr>
@@ -2375,7 +2066,6 @@
           <a:p>
             <a:fld id="{B56D2652-DE9D-48DC-8C95-61F5BF8CFDBE}" type="datetimeFigureOut">
               <a:rPr lang="fr-FR" smtClean="0"/>
-              <a:t>24/04/2020</a:t>
             </a:fld>
             <a:endParaRPr lang="fr-FR"/>
           </a:p>
@@ -2383,13 +2073,7 @@
       </p:sp>
       <p:sp>
         <p:nvSpPr>
-          <p:cNvPr id="6" name="Espace réservé du pied de page 5">
-            <a:extLst>
-              <a:ext uri="{FF2B5EF4-FFF2-40B4-BE49-F238E27FC236}">
-                <a16:creationId xmlns:a16="http://schemas.microsoft.com/office/drawing/2014/main" id="{87D6119B-32B1-4C55-B271-A419B7915E33}"/>
-              </a:ext>
-            </a:extLst>
-          </p:cNvPr>
+          <p:cNvPr id="6" name="Espace réservé du pied de page 5"/>
           <p:cNvSpPr>
             <a:spLocks noGrp="1"/>
           </p:cNvSpPr>
@@ -2408,13 +2092,7 @@
       </p:sp>
       <p:sp>
         <p:nvSpPr>
-          <p:cNvPr id="7" name="Espace réservé du numéro de diapositive 6">
-            <a:extLst>
-              <a:ext uri="{FF2B5EF4-FFF2-40B4-BE49-F238E27FC236}">
-                <a16:creationId xmlns:a16="http://schemas.microsoft.com/office/drawing/2014/main" id="{E87FDFD0-5D89-4C9E-B381-AC77A25CE6AB}"/>
-              </a:ext>
-            </a:extLst>
-          </p:cNvPr>
+          <p:cNvPr id="7" name="Espace réservé du numéro de diapositive 6"/>
           <p:cNvSpPr>
             <a:spLocks noGrp="1"/>
           </p:cNvSpPr>
@@ -2429,18 +2107,12 @@
           <a:p>
             <a:fld id="{D2644EA1-3967-4E7E-AC05-0E1557AACFC3}" type="slidenum">
               <a:rPr lang="fr-FR" smtClean="0"/>
-              <a:t>‹N°›</a:t>
             </a:fld>
             <a:endParaRPr lang="fr-FR"/>
           </a:p>
         </p:txBody>
       </p:sp>
     </p:spTree>
-    <p:extLst>
-      <p:ext uri="{BB962C8B-B14F-4D97-AF65-F5344CB8AC3E}">
-        <p14:creationId xmlns:p14="http://schemas.microsoft.com/office/powerpoint/2010/main" val="806611612"/>
-      </p:ext>
-    </p:extLst>
   </p:cSld>
   <p:clrMapOvr>
     <a:masterClrMapping/>
@@ -2467,13 +2139,7 @@
       </p:grpSpPr>
       <p:sp>
         <p:nvSpPr>
-          <p:cNvPr id="2" name="Titre 1">
-            <a:extLst>
-              <a:ext uri="{FF2B5EF4-FFF2-40B4-BE49-F238E27FC236}">
-                <a16:creationId xmlns:a16="http://schemas.microsoft.com/office/drawing/2014/main" id="{B7B69679-5FE3-42D5-83C2-76E6022760EE}"/>
-              </a:ext>
-            </a:extLst>
-          </p:cNvPr>
+          <p:cNvPr id="2" name="Titre 1"/>
           <p:cNvSpPr>
             <a:spLocks noGrp="1"/>
           </p:cNvSpPr>
@@ -2499,18 +2165,13 @@
               <a:rPr lang="fr-FR"/>
               <a:t>Modifiez le style du titre</a:t>
             </a:r>
-          </a:p>
-        </p:txBody>
-      </p:sp>
-      <p:sp>
-        <p:nvSpPr>
-          <p:cNvPr id="3" name="Espace réservé pour une image  2">
-            <a:extLst>
-              <a:ext uri="{FF2B5EF4-FFF2-40B4-BE49-F238E27FC236}">
-                <a16:creationId xmlns:a16="http://schemas.microsoft.com/office/drawing/2014/main" id="{1A84CE3D-059B-47DD-BECC-0793630E0D2A}"/>
-              </a:ext>
-            </a:extLst>
-          </p:cNvPr>
+            <a:endParaRPr lang="fr-FR"/>
+          </a:p>
+        </p:txBody>
+      </p:sp>
+      <p:sp>
+        <p:nvSpPr>
+          <p:cNvPr id="3" name="Espace réservé pour une image  2"/>
           <p:cNvSpPr>
             <a:spLocks noGrp="1"/>
           </p:cNvSpPr>
@@ -2571,18 +2232,12 @@
       </p:sp>
       <p:sp>
         <p:nvSpPr>
-          <p:cNvPr id="4" name="Espace réservé du texte 3">
-            <a:extLst>
-              <a:ext uri="{FF2B5EF4-FFF2-40B4-BE49-F238E27FC236}">
-                <a16:creationId xmlns:a16="http://schemas.microsoft.com/office/drawing/2014/main" id="{6BE8F86F-E431-4D94-B4BB-ECA3AB67FED9}"/>
-              </a:ext>
-            </a:extLst>
-          </p:cNvPr>
-          <p:cNvSpPr>
-            <a:spLocks noGrp="1"/>
-          </p:cNvSpPr>
-          <p:nvPr>
-            <p:ph type="body" sz="half" idx="2"/>
+          <p:cNvPr id="4" name="Espace réservé du texte 3"/>
+          <p:cNvSpPr>
+            <a:spLocks noGrp="1"/>
+          </p:cNvSpPr>
+          <p:nvPr>
+            <p:ph type="body" sz="half" idx="2" hasCustomPrompt="1"/>
           </p:nvPr>
         </p:nvSpPr>
         <p:spPr>
@@ -2637,18 +2292,13 @@
               <a:rPr lang="fr-FR"/>
               <a:t>Cliquez pour modifier les styles du texte du masque</a:t>
             </a:r>
-          </a:p>
-        </p:txBody>
-      </p:sp>
-      <p:sp>
-        <p:nvSpPr>
-          <p:cNvPr id="5" name="Espace réservé de la date 4">
-            <a:extLst>
-              <a:ext uri="{FF2B5EF4-FFF2-40B4-BE49-F238E27FC236}">
-                <a16:creationId xmlns:a16="http://schemas.microsoft.com/office/drawing/2014/main" id="{EEDEDA8E-DC58-4B00-9ED9-F8EDA2DEBE15}"/>
-              </a:ext>
-            </a:extLst>
-          </p:cNvPr>
+            <a:endParaRPr lang="fr-FR"/>
+          </a:p>
+        </p:txBody>
+      </p:sp>
+      <p:sp>
+        <p:nvSpPr>
+          <p:cNvPr id="5" name="Espace réservé de la date 4"/>
           <p:cNvSpPr>
             <a:spLocks noGrp="1"/>
           </p:cNvSpPr>
@@ -2663,7 +2313,6 @@
           <a:p>
             <a:fld id="{B56D2652-DE9D-48DC-8C95-61F5BF8CFDBE}" type="datetimeFigureOut">
               <a:rPr lang="fr-FR" smtClean="0"/>
-              <a:t>24/04/2020</a:t>
             </a:fld>
             <a:endParaRPr lang="fr-FR"/>
           </a:p>
@@ -2671,13 +2320,7 @@
       </p:sp>
       <p:sp>
         <p:nvSpPr>
-          <p:cNvPr id="6" name="Espace réservé du pied de page 5">
-            <a:extLst>
-              <a:ext uri="{FF2B5EF4-FFF2-40B4-BE49-F238E27FC236}">
-                <a16:creationId xmlns:a16="http://schemas.microsoft.com/office/drawing/2014/main" id="{155AECC8-A59A-4A52-92E9-5DFDFDAD0EB1}"/>
-              </a:ext>
-            </a:extLst>
-          </p:cNvPr>
+          <p:cNvPr id="6" name="Espace réservé du pied de page 5"/>
           <p:cNvSpPr>
             <a:spLocks noGrp="1"/>
           </p:cNvSpPr>
@@ -2696,13 +2339,7 @@
       </p:sp>
       <p:sp>
         <p:nvSpPr>
-          <p:cNvPr id="7" name="Espace réservé du numéro de diapositive 6">
-            <a:extLst>
-              <a:ext uri="{FF2B5EF4-FFF2-40B4-BE49-F238E27FC236}">
-                <a16:creationId xmlns:a16="http://schemas.microsoft.com/office/drawing/2014/main" id="{E591B7B9-726D-4862-B1F6-F4EECD4C0A21}"/>
-              </a:ext>
-            </a:extLst>
-          </p:cNvPr>
+          <p:cNvPr id="7" name="Espace réservé du numéro de diapositive 6"/>
           <p:cNvSpPr>
             <a:spLocks noGrp="1"/>
           </p:cNvSpPr>
@@ -2717,18 +2354,12 @@
           <a:p>
             <a:fld id="{D2644EA1-3967-4E7E-AC05-0E1557AACFC3}" type="slidenum">
               <a:rPr lang="fr-FR" smtClean="0"/>
-              <a:t>‹N°›</a:t>
             </a:fld>
             <a:endParaRPr lang="fr-FR"/>
           </a:p>
         </p:txBody>
       </p:sp>
     </p:spTree>
-    <p:extLst>
-      <p:ext uri="{BB962C8B-B14F-4D97-AF65-F5344CB8AC3E}">
-        <p14:creationId xmlns:p14="http://schemas.microsoft.com/office/powerpoint/2010/main" val="3301095380"/>
-      </p:ext>
-    </p:extLst>
   </p:cSld>
   <p:clrMapOvr>
     <a:masterClrMapping/>
@@ -2760,13 +2391,7 @@
       </p:grpSpPr>
       <p:sp>
         <p:nvSpPr>
-          <p:cNvPr id="2" name="Espace réservé du titre 1">
-            <a:extLst>
-              <a:ext uri="{FF2B5EF4-FFF2-40B4-BE49-F238E27FC236}">
-                <a16:creationId xmlns:a16="http://schemas.microsoft.com/office/drawing/2014/main" id="{C2BDD4D4-A0A6-478C-A86F-71C7BF315958}"/>
-              </a:ext>
-            </a:extLst>
-          </p:cNvPr>
+          <p:cNvPr id="2" name="Espace réservé du titre 1"/>
           <p:cNvSpPr>
             <a:spLocks noGrp="1"/>
           </p:cNvSpPr>
@@ -2793,18 +2418,13 @@
               <a:rPr lang="fr-FR"/>
               <a:t>Modifiez le style du titre</a:t>
             </a:r>
-          </a:p>
-        </p:txBody>
-      </p:sp>
-      <p:sp>
-        <p:nvSpPr>
-          <p:cNvPr id="3" name="Espace réservé du texte 2">
-            <a:extLst>
-              <a:ext uri="{FF2B5EF4-FFF2-40B4-BE49-F238E27FC236}">
-                <a16:creationId xmlns:a16="http://schemas.microsoft.com/office/drawing/2014/main" id="{185F3489-92B3-4855-A345-08F6B9C21916}"/>
-              </a:ext>
-            </a:extLst>
-          </p:cNvPr>
+            <a:endParaRPr lang="fr-FR"/>
+          </a:p>
+        </p:txBody>
+      </p:sp>
+      <p:sp>
+        <p:nvSpPr>
+          <p:cNvPr id="3" name="Espace réservé du texte 2"/>
           <p:cNvSpPr>
             <a:spLocks noGrp="1"/>
           </p:cNvSpPr>
@@ -2832,6 +2452,7 @@
               <a:rPr lang="fr-FR"/>
               <a:t>Cliquez pour modifier les styles du texte du masque</a:t>
             </a:r>
+            <a:endParaRPr lang="fr-FR"/>
           </a:p>
           <a:p>
             <a:pPr lvl="1"/>
@@ -2839,6 +2460,7 @@
               <a:rPr lang="fr-FR"/>
               <a:t>Deuxième niveau</a:t>
             </a:r>
+            <a:endParaRPr lang="fr-FR"/>
           </a:p>
           <a:p>
             <a:pPr lvl="2"/>
@@ -2846,6 +2468,7 @@
               <a:rPr lang="fr-FR"/>
               <a:t>Troisième niveau</a:t>
             </a:r>
+            <a:endParaRPr lang="fr-FR"/>
           </a:p>
           <a:p>
             <a:pPr lvl="3"/>
@@ -2853,6 +2476,7 @@
               <a:rPr lang="fr-FR"/>
               <a:t>Quatrième niveau</a:t>
             </a:r>
+            <a:endParaRPr lang="fr-FR"/>
           </a:p>
           <a:p>
             <a:pPr lvl="4"/>
@@ -2860,18 +2484,13 @@
               <a:rPr lang="fr-FR"/>
               <a:t>Cinquième niveau</a:t>
             </a:r>
-          </a:p>
-        </p:txBody>
-      </p:sp>
-      <p:sp>
-        <p:nvSpPr>
-          <p:cNvPr id="4" name="Espace réservé de la date 3">
-            <a:extLst>
-              <a:ext uri="{FF2B5EF4-FFF2-40B4-BE49-F238E27FC236}">
-                <a16:creationId xmlns:a16="http://schemas.microsoft.com/office/drawing/2014/main" id="{C8CD5D4E-2677-4371-8524-25EF31F09219}"/>
-              </a:ext>
-            </a:extLst>
-          </p:cNvPr>
+            <a:endParaRPr lang="fr-FR"/>
+          </a:p>
+        </p:txBody>
+      </p:sp>
+      <p:sp>
+        <p:nvSpPr>
+          <p:cNvPr id="4" name="Espace réservé de la date 3"/>
           <p:cNvSpPr>
             <a:spLocks noGrp="1"/>
           </p:cNvSpPr>
@@ -2904,7 +2523,6 @@
           <a:p>
             <a:fld id="{B56D2652-DE9D-48DC-8C95-61F5BF8CFDBE}" type="datetimeFigureOut">
               <a:rPr lang="fr-FR" smtClean="0"/>
-              <a:t>24/04/2020</a:t>
             </a:fld>
             <a:endParaRPr lang="fr-FR"/>
           </a:p>
@@ -2912,13 +2530,7 @@
       </p:sp>
       <p:sp>
         <p:nvSpPr>
-          <p:cNvPr id="5" name="Espace réservé du pied de page 4">
-            <a:extLst>
-              <a:ext uri="{FF2B5EF4-FFF2-40B4-BE49-F238E27FC236}">
-                <a16:creationId xmlns:a16="http://schemas.microsoft.com/office/drawing/2014/main" id="{24B6E056-B51D-490F-A3B5-9C24BFB64E98}"/>
-              </a:ext>
-            </a:extLst>
-          </p:cNvPr>
+          <p:cNvPr id="5" name="Espace réservé du pied de page 4"/>
           <p:cNvSpPr>
             <a:spLocks noGrp="1"/>
           </p:cNvSpPr>
@@ -2955,13 +2567,7 @@
       </p:sp>
       <p:sp>
         <p:nvSpPr>
-          <p:cNvPr id="6" name="Espace réservé du numéro de diapositive 5">
-            <a:extLst>
-              <a:ext uri="{FF2B5EF4-FFF2-40B4-BE49-F238E27FC236}">
-                <a16:creationId xmlns:a16="http://schemas.microsoft.com/office/drawing/2014/main" id="{09EB4524-26DD-4DC9-88A4-D36892234BAC}"/>
-              </a:ext>
-            </a:extLst>
-          </p:cNvPr>
+          <p:cNvPr id="6" name="Espace réservé du numéro de diapositive 5"/>
           <p:cNvSpPr>
             <a:spLocks noGrp="1"/>
           </p:cNvSpPr>
@@ -2994,18 +2600,12 @@
           <a:p>
             <a:fld id="{D2644EA1-3967-4E7E-AC05-0E1557AACFC3}" type="slidenum">
               <a:rPr lang="fr-FR" smtClean="0"/>
-              <a:t>‹N°›</a:t>
             </a:fld>
             <a:endParaRPr lang="fr-FR"/>
           </a:p>
         </p:txBody>
       </p:sp>
     </p:spTree>
-    <p:extLst>
-      <p:ext uri="{BB962C8B-B14F-4D97-AF65-F5344CB8AC3E}">
-        <p14:creationId xmlns:p14="http://schemas.microsoft.com/office/powerpoint/2010/main" val="175581015"/>
-      </p:ext>
-    </p:extLst>
   </p:cSld>
   <p:clrMap bg1="lt1" tx1="dk1" bg2="lt2" tx2="dk2" accent1="accent1" accent2="accent2" accent3="accent3" accent4="accent4" accent5="accent5" accent6="accent6" hlink="hlink" folHlink="folHlink"/>
   <p:sldLayoutIdLst>
@@ -3323,26 +2923,14 @@
       </p:grpSpPr>
       <p:graphicFrame>
         <p:nvGraphicFramePr>
-          <p:cNvPr id="4" name="Tableau 4">
-            <a:extLst>
-              <a:ext uri="{FF2B5EF4-FFF2-40B4-BE49-F238E27FC236}">
-                <a16:creationId xmlns:a16="http://schemas.microsoft.com/office/drawing/2014/main" id="{2BC6C901-9F52-4B2C-9C04-BCE446D73351}"/>
-              </a:ext>
-            </a:extLst>
-          </p:cNvPr>
+          <p:cNvPr id="4" name="Tableau 4"/>
           <p:cNvGraphicFramePr>
             <a:graphicFrameLocks noGrp="1"/>
           </p:cNvGraphicFramePr>
-          <p:nvPr>
-            <p:extLst>
-              <p:ext uri="{D42A27DB-BD31-4B8C-83A1-F6EECF244321}">
-                <p14:modId xmlns:p14="http://schemas.microsoft.com/office/powerpoint/2010/main" val="2624545439"/>
-              </p:ext>
-            </p:extLst>
-          </p:nvPr>
+          <p:nvPr/>
         </p:nvGraphicFramePr>
         <p:xfrm>
-          <a:off x="2177473" y="3429000"/>
+          <a:off x="2100638" y="1375888"/>
           <a:ext cx="4064000" cy="1171480"/>
         </p:xfrm>
         <a:graphic>
@@ -3352,27 +2940,16 @@
                 <a:tableStyleId>{5C22544A-7EE6-4342-B048-85BDC9FD1C3A}</a:tableStyleId>
               </a:tblPr>
               <a:tblGrid>
-                <a:gridCol w="2032000">
-                  <a:extLst>
-                    <a:ext uri="{9D8B030D-6E8A-4147-A177-3AD203B41FA5}">
-                      <a16:colId xmlns:a16="http://schemas.microsoft.com/office/drawing/2014/main" val="2600757252"/>
-                    </a:ext>
-                  </a:extLst>
-                </a:gridCol>
-                <a:gridCol w="2032000">
-                  <a:extLst>
-                    <a:ext uri="{9D8B030D-6E8A-4147-A177-3AD203B41FA5}">
-                      <a16:colId xmlns:a16="http://schemas.microsoft.com/office/drawing/2014/main" val="3600887332"/>
-                    </a:ext>
-                  </a:extLst>
-                </a:gridCol>
+                <a:gridCol w="2032000"/>
+                <a:gridCol w="2032000"/>
               </a:tblGrid>
-              <a:tr h="697657">
-                <a:tc>
+              <a:tr h="697865">
+                <a:tc gridSpan="2">
                   <a:txBody>
                     <a:bodyPr/>
                     <a:lstStyle/>
                     <a:p>
+                      <a:pPr algn="ctr"/>
                       <a:r>
                         <a:rPr lang="fr-FR" dirty="0" err="1"/>
                         <a:t>MyClass</a:t>
@@ -3386,21 +2963,9 @@
                   </a:txBody>
                   <a:tcPr/>
                 </a:tc>
-                <a:tc>
-                  <a:txBody>
-                    <a:bodyPr/>
-                    <a:lstStyle/>
-                    <a:p>
-                      <a:endParaRPr lang="fr-FR"/>
-                    </a:p>
-                  </a:txBody>
+                <a:tc hMerge="1">
                   <a:tcPr/>
                 </a:tc>
-                <a:extLst>
-                  <a:ext uri="{0D108BD9-81ED-4DB2-BD59-A6C34878D82A}">
-                    <a16:rowId xmlns:a16="http://schemas.microsoft.com/office/drawing/2014/main" val="3873352929"/>
-                  </a:ext>
-                </a:extLst>
               </a:tr>
               <a:tr h="473823">
                 <a:tc>
@@ -3409,8 +2974,12 @@
                     <a:lstStyle/>
                     <a:p>
                       <a:r>
+                        <a:rPr lang="en-US" altLang="fr-FR" dirty="0"/>
+                        <a:t>p</a:t>
+                      </a:r>
+                      <a:r>
                         <a:rPr lang="fr-FR" altLang="zh-CN" dirty="0"/>
-                        <a:t>Prototype</a:t>
+                        <a:t>rototype</a:t>
                       </a:r>
                       <a:endParaRPr lang="fr-FR" dirty="0"/>
                     </a:p>
@@ -3426,15 +2995,11 @@
                         <a:rPr lang="fr-FR" dirty="0"/>
                         <a:t>0x123</a:t>
                       </a:r>
+                      <a:endParaRPr lang="fr-FR" dirty="0"/>
                     </a:p>
                   </a:txBody>
                   <a:tcPr/>
                 </a:tc>
-                <a:extLst>
-                  <a:ext uri="{0D108BD9-81ED-4DB2-BD59-A6C34878D82A}">
-                    <a16:rowId xmlns:a16="http://schemas.microsoft.com/office/drawing/2014/main" val="2259841567"/>
-                  </a:ext>
-                </a:extLst>
               </a:tr>
             </a:tbl>
           </a:graphicData>
@@ -3442,27 +3007,15 @@
       </p:graphicFrame>
       <p:graphicFrame>
         <p:nvGraphicFramePr>
-          <p:cNvPr id="7" name="Tableau 4">
-            <a:extLst>
-              <a:ext uri="{FF2B5EF4-FFF2-40B4-BE49-F238E27FC236}">
-                <a16:creationId xmlns:a16="http://schemas.microsoft.com/office/drawing/2014/main" id="{96881355-B470-4A62-B516-9B08CC8851D1}"/>
-              </a:ext>
-            </a:extLst>
-          </p:cNvPr>
+          <p:cNvPr id="7" name="Tableau 4"/>
           <p:cNvGraphicFramePr>
             <a:graphicFrameLocks noGrp="1"/>
           </p:cNvGraphicFramePr>
-          <p:nvPr>
-            <p:extLst>
-              <p:ext uri="{D42A27DB-BD31-4B8C-83A1-F6EECF244321}">
-                <p14:modId xmlns:p14="http://schemas.microsoft.com/office/powerpoint/2010/main" val="3863902301"/>
-              </p:ext>
-            </p:extLst>
-          </p:nvPr>
+          <p:nvPr/>
         </p:nvGraphicFramePr>
         <p:xfrm>
-          <a:off x="7502236" y="3429000"/>
-          <a:ext cx="4384964" cy="1039090"/>
+          <a:off x="7502236" y="1813403"/>
+          <a:ext cx="4384675" cy="1597660"/>
         </p:xfrm>
         <a:graphic>
           <a:graphicData uri="http://schemas.openxmlformats.org/drawingml/2006/table">
@@ -3471,27 +3024,16 @@
                 <a:tableStyleId>{5C22544A-7EE6-4342-B048-85BDC9FD1C3A}</a:tableStyleId>
               </a:tblPr>
               <a:tblGrid>
-                <a:gridCol w="2192482">
-                  <a:extLst>
-                    <a:ext uri="{9D8B030D-6E8A-4147-A177-3AD203B41FA5}">
-                      <a16:colId xmlns:a16="http://schemas.microsoft.com/office/drawing/2014/main" val="2600757252"/>
-                    </a:ext>
-                  </a:extLst>
-                </a:gridCol>
-                <a:gridCol w="2192482">
-                  <a:extLst>
-                    <a:ext uri="{9D8B030D-6E8A-4147-A177-3AD203B41FA5}">
-                      <a16:colId xmlns:a16="http://schemas.microsoft.com/office/drawing/2014/main" val="3600887332"/>
-                    </a:ext>
-                  </a:extLst>
-                </a:gridCol>
+                <a:gridCol w="2192482"/>
+                <a:gridCol w="2192482"/>
               </a:tblGrid>
               <a:tr h="480673">
-                <a:tc>
+                <a:tc gridSpan="2">
                   <a:txBody>
                     <a:bodyPr/>
                     <a:lstStyle/>
                     <a:p>
+                      <a:pPr algn="ctr"/>
                       <a:r>
                         <a:rPr lang="zh-CN" altLang="fr-FR" dirty="0"/>
                         <a:t>原型对象（</a:t>
@@ -3517,21 +3059,9 @@
                   </a:txBody>
                   <a:tcPr/>
                 </a:tc>
-                <a:tc>
-                  <a:txBody>
-                    <a:bodyPr/>
-                    <a:lstStyle/>
-                    <a:p>
-                      <a:endParaRPr lang="fr-FR"/>
-                    </a:p>
-                  </a:txBody>
+                <a:tc hMerge="1">
                   <a:tcPr/>
                 </a:tc>
-                <a:extLst>
-                  <a:ext uri="{0D108BD9-81ED-4DB2-BD59-A6C34878D82A}">
-                    <a16:rowId xmlns:a16="http://schemas.microsoft.com/office/drawing/2014/main" val="3873352929"/>
-                  </a:ext>
-                </a:extLst>
               </a:tr>
               <a:tr h="558417">
                 <a:tc>
@@ -3539,7 +3069,11 @@
                     <a:bodyPr/>
                     <a:lstStyle/>
                     <a:p>
-                      <a:endParaRPr lang="fr-FR" dirty="0"/>
+                      <a:r>
+                        <a:rPr lang="en-US" altLang="fr-FR" dirty="0"/>
+                        <a:t>a</a:t>
+                      </a:r>
+                      <a:endParaRPr lang="en-US" altLang="fr-FR" dirty="0"/>
                     </a:p>
                   </a:txBody>
                   <a:tcPr/>
@@ -3549,16 +3083,49 @@
                     <a:bodyPr/>
                     <a:lstStyle/>
                     <a:p>
-                      <a:endParaRPr lang="fr-FR" dirty="0"/>
+                      <a:r>
+                        <a:rPr lang="en-US" altLang="fr-FR" dirty="0"/>
+                        <a:t>123</a:t>
+                      </a:r>
+                      <a:endParaRPr lang="en-US" altLang="fr-FR" dirty="0"/>
                     </a:p>
                   </a:txBody>
                   <a:tcPr/>
                 </a:tc>
-                <a:extLst>
-                  <a:ext uri="{0D108BD9-81ED-4DB2-BD59-A6C34878D82A}">
-                    <a16:rowId xmlns:a16="http://schemas.microsoft.com/office/drawing/2014/main" val="2259841567"/>
-                  </a:ext>
-                </a:extLst>
+              </a:tr>
+              <a:tr h="558417">
+                <a:tc>
+                  <a:txBody>
+                    <a:bodyPr/>
+                    <a:p>
+                      <a:pPr>
+                        <a:buNone/>
+                      </a:pPr>
+                      <a:r>
+                        <a:rPr lang="en-US" altLang="fr-FR" dirty="0"/>
+                        <a:t>__proto__</a:t>
+                      </a:r>
+                      <a:endParaRPr lang="en-US" altLang="fr-FR" dirty="0"/>
+                    </a:p>
+                  </a:txBody>
+                  <a:tcPr/>
+                </a:tc>
+                <a:tc>
+                  <a:txBody>
+                    <a:bodyPr/>
+                    <a:p>
+                      <a:pPr>
+                        <a:buNone/>
+                      </a:pPr>
+                      <a:r>
+                        <a:rPr lang="en-US" altLang="fr-FR" dirty="0"/>
+                        <a:t>0x223</a:t>
+                      </a:r>
+                      <a:endParaRPr lang="en-US" altLang="fr-FR" dirty="0"/>
+                    </a:p>
+                  </a:txBody>
+                  <a:tcPr/>
+                </a:tc>
               </a:tr>
             </a:tbl>
           </a:graphicData>
@@ -3566,20 +3133,16 @@
       </p:graphicFrame>
       <p:cxnSp>
         <p:nvCxnSpPr>
-          <p:cNvPr id="9" name="Connecteur droit avec flèche 8">
-            <a:extLst>
-              <a:ext uri="{FF2B5EF4-FFF2-40B4-BE49-F238E27FC236}">
-                <a16:creationId xmlns:a16="http://schemas.microsoft.com/office/drawing/2014/main" id="{837080A2-3A36-4603-83A2-145E84418849}"/>
-              </a:ext>
-            </a:extLst>
-          </p:cNvPr>
-          <p:cNvCxnSpPr/>
+          <p:cNvPr id="9" name="Connecteur droit avec flèche 8"/>
+          <p:cNvCxnSpPr>
+            <a:stCxn id="4" idx="3"/>
+          </p:cNvCxnSpPr>
           <p:nvPr/>
         </p:nvCxnSpPr>
         <p:spPr>
-          <a:xfrm flipV="1">
-            <a:off x="6241473" y="3748426"/>
-            <a:ext cx="1260763" cy="719664"/>
+          <a:xfrm>
+            <a:off x="6164580" y="1961515"/>
+            <a:ext cx="1337310" cy="171450"/>
           </a:xfrm>
           <a:prstGeom prst="straightConnector1">
             <a:avLst/>
@@ -3605,19 +3168,13 @@
       </p:cxnSp>
       <p:sp>
         <p:nvSpPr>
-          <p:cNvPr id="10" name="ZoneTexte 9">
-            <a:extLst>
-              <a:ext uri="{FF2B5EF4-FFF2-40B4-BE49-F238E27FC236}">
-                <a16:creationId xmlns:a16="http://schemas.microsoft.com/office/drawing/2014/main" id="{AA8D8B14-91DF-4B54-930B-8937476A312C}"/>
-              </a:ext>
-            </a:extLst>
-          </p:cNvPr>
+          <p:cNvPr id="10" name="ZoneTexte 9"/>
           <p:cNvSpPr txBox="1"/>
           <p:nvPr/>
         </p:nvSpPr>
         <p:spPr>
           <a:xfrm>
-            <a:off x="2177473" y="914400"/>
+            <a:off x="2177473" y="554990"/>
             <a:ext cx="4472709" cy="461665"/>
           </a:xfrm>
           <a:prstGeom prst="rect">
@@ -3647,12 +3204,254 @@
           </a:p>
         </p:txBody>
       </p:sp>
+      <p:graphicFrame>
+        <p:nvGraphicFramePr>
+          <p:cNvPr id="12" name="Tableau 4"/>
+          <p:cNvGraphicFramePr>
+            <a:graphicFrameLocks noGrp="1"/>
+          </p:cNvGraphicFramePr>
+          <p:nvPr/>
+        </p:nvGraphicFramePr>
+        <p:xfrm>
+          <a:off x="2100580" y="2884805"/>
+          <a:ext cx="4064000" cy="1089025"/>
+        </p:xfrm>
+        <a:graphic>
+          <a:graphicData uri="http://schemas.openxmlformats.org/drawingml/2006/table">
+            <a:tbl>
+              <a:tblPr firstRow="1" bandRow="1">
+                <a:tableStyleId>{5C22544A-7EE6-4342-B048-85BDC9FD1C3A}</a:tableStyleId>
+              </a:tblPr>
+              <a:tblGrid>
+                <a:gridCol w="2032000"/>
+                <a:gridCol w="2032000"/>
+              </a:tblGrid>
+              <a:tr h="648970">
+                <a:tc gridSpan="2">
+                  <a:txBody>
+                    <a:bodyPr/>
+                    <a:lstStyle/>
+                    <a:p>
+                      <a:pPr algn="ctr"/>
+                      <a:r>
+                        <a:rPr lang="zh-CN" altLang="fr-FR" dirty="0"/>
+                        <a:t>通过</a:t>
+                      </a:r>
+                      <a:r>
+                        <a:rPr lang="fr-FR" dirty="0" err="1"/>
+                        <a:t>MyClass</a:t>
+                      </a:r>
+                      <a:r>
+                        <a:rPr lang="zh-CN" altLang="fr-FR" dirty="0"/>
+                        <a:t>创建的对象</a:t>
+                      </a:r>
+                      <a:r>
+                        <a:rPr lang="fr-FR" altLang="zh-CN" dirty="0"/>
+                        <a:t>mc</a:t>
+                      </a:r>
+                      <a:endParaRPr lang="fr-FR" dirty="0"/>
+                    </a:p>
+                  </a:txBody>
+                  <a:tcPr/>
+                </a:tc>
+                <a:tc hMerge="1">
+                  <a:tcPr/>
+                </a:tc>
+              </a:tr>
+              <a:tr h="440055">
+                <a:tc>
+                  <a:txBody>
+                    <a:bodyPr/>
+                    <a:lstStyle/>
+                    <a:p>
+                      <a:r>
+                        <a:rPr lang="en-US" altLang="fr-FR" dirty="0"/>
+                        <a:t>__proto__</a:t>
+                      </a:r>
+                      <a:endParaRPr lang="en-US" altLang="fr-FR" dirty="0"/>
+                    </a:p>
+                  </a:txBody>
+                  <a:tcPr/>
+                </a:tc>
+                <a:tc>
+                  <a:txBody>
+                    <a:bodyPr/>
+                    <a:lstStyle/>
+                    <a:p>
+                      <a:r>
+                        <a:rPr lang="fr-FR" dirty="0"/>
+                        <a:t>0x123</a:t>
+                      </a:r>
+                      <a:endParaRPr lang="fr-FR" dirty="0"/>
+                    </a:p>
+                  </a:txBody>
+                  <a:tcPr/>
+                </a:tc>
+              </a:tr>
+            </a:tbl>
+          </a:graphicData>
+        </a:graphic>
+      </p:graphicFrame>
+      <p:cxnSp>
+        <p:nvCxnSpPr>
+          <p:cNvPr id="14" name="Connecteur droit avec flèche 13"/>
+          <p:cNvCxnSpPr>
+            <a:stCxn id="12" idx="3"/>
+          </p:cNvCxnSpPr>
+          <p:nvPr/>
+        </p:nvCxnSpPr>
+        <p:spPr>
+          <a:xfrm flipV="1">
+            <a:off x="6164580" y="2199005"/>
+            <a:ext cx="1337310" cy="1230630"/>
+          </a:xfrm>
+          <a:prstGeom prst="straightConnector1">
+            <a:avLst/>
+          </a:prstGeom>
+          <a:ln>
+            <a:tailEnd type="triangle"/>
+          </a:ln>
+        </p:spPr>
+        <p:style>
+          <a:lnRef idx="2">
+            <a:schemeClr val="accent5"/>
+          </a:lnRef>
+          <a:fillRef idx="0">
+            <a:schemeClr val="accent5"/>
+          </a:fillRef>
+          <a:effectRef idx="1">
+            <a:schemeClr val="accent5"/>
+          </a:effectRef>
+          <a:fontRef idx="minor">
+            <a:schemeClr val="tx1"/>
+          </a:fontRef>
+        </p:style>
+      </p:cxnSp>
+      <p:graphicFrame>
+        <p:nvGraphicFramePr>
+          <p:cNvPr id="2" name="Tableau 4"/>
+          <p:cNvGraphicFramePr>
+            <a:graphicFrameLocks noGrp="1"/>
+          </p:cNvGraphicFramePr>
+          <p:nvPr/>
+        </p:nvGraphicFramePr>
+        <p:xfrm>
+          <a:off x="2100580" y="4463415"/>
+          <a:ext cx="4064000" cy="1089025"/>
+        </p:xfrm>
+        <a:graphic>
+          <a:graphicData uri="http://schemas.openxmlformats.org/drawingml/2006/table">
+            <a:tbl>
+              <a:tblPr firstRow="1" bandRow="1">
+                <a:tableStyleId>{5C22544A-7EE6-4342-B048-85BDC9FD1C3A}</a:tableStyleId>
+              </a:tblPr>
+              <a:tblGrid>
+                <a:gridCol w="2032000"/>
+                <a:gridCol w="2032000"/>
+              </a:tblGrid>
+              <a:tr h="648970">
+                <a:tc gridSpan="2">
+                  <a:txBody>
+                    <a:bodyPr/>
+                    <a:p>
+                      <a:pPr algn="ctr"/>
+                      <a:r>
+                        <a:rPr lang="zh-CN" altLang="fr-FR" dirty="0"/>
+                        <a:t>通过</a:t>
+                      </a:r>
+                      <a:r>
+                        <a:rPr lang="fr-FR" dirty="0" err="1"/>
+                        <a:t>MyClass</a:t>
+                      </a:r>
+                      <a:r>
+                        <a:rPr lang="zh-CN" altLang="fr-FR" dirty="0"/>
+                        <a:t>创建的对象</a:t>
+                      </a:r>
+                      <a:r>
+                        <a:rPr lang="fr-FR" altLang="zh-CN" dirty="0"/>
+                        <a:t>mc</a:t>
+                      </a:r>
+                      <a:r>
+                        <a:rPr lang="en-US" altLang="fr-FR" dirty="0"/>
+                        <a:t>2</a:t>
+                      </a:r>
+                      <a:endParaRPr lang="en-US" altLang="fr-FR" dirty="0"/>
+                    </a:p>
+                  </a:txBody>
+                  <a:tcPr/>
+                </a:tc>
+                <a:tc hMerge="1">
+                  <a:tcPr/>
+                </a:tc>
+              </a:tr>
+              <a:tr h="440055">
+                <a:tc>
+                  <a:txBody>
+                    <a:bodyPr/>
+                    <a:p>
+                      <a:r>
+                        <a:rPr lang="en-US" altLang="fr-FR" dirty="0"/>
+                        <a:t>__proto__</a:t>
+                      </a:r>
+                      <a:endParaRPr lang="en-US" altLang="fr-FR" dirty="0"/>
+                    </a:p>
+                  </a:txBody>
+                  <a:tcPr/>
+                </a:tc>
+                <a:tc>
+                  <a:txBody>
+                    <a:bodyPr/>
+                    <a:p>
+                      <a:r>
+                        <a:rPr lang="fr-FR" dirty="0"/>
+                        <a:t>0x123</a:t>
+                      </a:r>
+                      <a:endParaRPr lang="fr-FR" dirty="0"/>
+                    </a:p>
+                  </a:txBody>
+                  <a:tcPr/>
+                </a:tc>
+              </a:tr>
+            </a:tbl>
+          </a:graphicData>
+        </a:graphic>
+      </p:graphicFrame>
+      <p:cxnSp>
+        <p:nvCxnSpPr>
+          <p:cNvPr id="3" name="Connecteur droit avec flèche 2"/>
+          <p:cNvCxnSpPr>
+            <a:stCxn id="2" idx="3"/>
+          </p:cNvCxnSpPr>
+          <p:nvPr/>
+        </p:nvCxnSpPr>
+        <p:spPr>
+          <a:xfrm flipV="1">
+            <a:off x="6164580" y="2273935"/>
+            <a:ext cx="1299845" cy="2734310"/>
+          </a:xfrm>
+          <a:prstGeom prst="straightConnector1">
+            <a:avLst/>
+          </a:prstGeom>
+          <a:ln>
+            <a:tailEnd type="triangle"/>
+          </a:ln>
+        </p:spPr>
+        <p:style>
+          <a:lnRef idx="2">
+            <a:schemeClr val="accent5"/>
+          </a:lnRef>
+          <a:fillRef idx="0">
+            <a:schemeClr val="accent5"/>
+          </a:fillRef>
+          <a:effectRef idx="1">
+            <a:schemeClr val="accent5"/>
+          </a:effectRef>
+          <a:fontRef idx="minor">
+            <a:schemeClr val="tx1"/>
+          </a:fontRef>
+        </p:style>
+      </p:cxnSp>
     </p:spTree>
-    <p:extLst>
-      <p:ext uri="{BB962C8B-B14F-4D97-AF65-F5344CB8AC3E}">
-        <p14:creationId xmlns:p14="http://schemas.microsoft.com/office/powerpoint/2010/main" val="3080148276"/>
-      </p:ext>
-    </p:extLst>
   </p:cSld>
   <p:clrMapOvr>
     <a:masterClrMapping/>
@@ -3703,7 +3502,7 @@
     </a:clrScheme>
     <a:fontScheme name="Office">
       <a:majorFont>
-        <a:latin typeface="Calibri Light" panose="020F0302020204030204"/>
+        <a:latin typeface="Calibri Light"/>
         <a:ea typeface=""/>
         <a:cs typeface=""/>
         <a:font script="Jpan" typeface="游ゴシック Light"/>
@@ -3736,26 +3535,9 @@
         <a:font script="Viet" typeface="Times New Roman"/>
         <a:font script="Uigh" typeface="Microsoft Uighur"/>
         <a:font script="Geor" typeface="Sylfaen"/>
-        <a:font script="Armn" typeface="Arial"/>
-        <a:font script="Bugi" typeface="Leelawadee UI"/>
-        <a:font script="Bopo" typeface="Microsoft JhengHei"/>
-        <a:font script="Java" typeface="Javanese Text"/>
-        <a:font script="Lisu" typeface="Segoe UI"/>
-        <a:font script="Mymr" typeface="Myanmar Text"/>
-        <a:font script="Nkoo" typeface="Ebrima"/>
-        <a:font script="Olck" typeface="Nirmala UI"/>
-        <a:font script="Osma" typeface="Ebrima"/>
-        <a:font script="Phag" typeface="Phagspa"/>
-        <a:font script="Syrn" typeface="Estrangelo Edessa"/>
-        <a:font script="Syrj" typeface="Estrangelo Edessa"/>
-        <a:font script="Syre" typeface="Estrangelo Edessa"/>
-        <a:font script="Sora" typeface="Nirmala UI"/>
-        <a:font script="Tale" typeface="Microsoft Tai Le"/>
-        <a:font script="Talu" typeface="Microsoft New Tai Lue"/>
-        <a:font script="Tfng" typeface="Ebrima"/>
       </a:majorFont>
       <a:minorFont>
-        <a:latin typeface="Calibri" panose="020F0502020204030204"/>
+        <a:latin typeface="Calibri"/>
         <a:ea typeface=""/>
         <a:cs typeface=""/>
         <a:font script="Jpan" typeface="游ゴシック"/>
@@ -3788,23 +3570,6 @@
         <a:font script="Viet" typeface="Arial"/>
         <a:font script="Uigh" typeface="Microsoft Uighur"/>
         <a:font script="Geor" typeface="Sylfaen"/>
-        <a:font script="Armn" typeface="Arial"/>
-        <a:font script="Bugi" typeface="Leelawadee UI"/>
-        <a:font script="Bopo" typeface="Microsoft JhengHei"/>
-        <a:font script="Java" typeface="Javanese Text"/>
-        <a:font script="Lisu" typeface="Segoe UI"/>
-        <a:font script="Mymr" typeface="Myanmar Text"/>
-        <a:font script="Nkoo" typeface="Ebrima"/>
-        <a:font script="Olck" typeface="Nirmala UI"/>
-        <a:font script="Osma" typeface="Ebrima"/>
-        <a:font script="Phag" typeface="Phagspa"/>
-        <a:font script="Syrn" typeface="Estrangelo Edessa"/>
-        <a:font script="Syrj" typeface="Estrangelo Edessa"/>
-        <a:font script="Syre" typeface="Estrangelo Edessa"/>
-        <a:font script="Sora" typeface="Nirmala UI"/>
-        <a:font script="Tale" typeface="Microsoft Tai Le"/>
-        <a:font script="Talu" typeface="Microsoft New Tai Lue"/>
-        <a:font script="Tfng" typeface="Ebrima"/>
       </a:minorFont>
     </a:fontScheme>
     <a:fmtScheme name="Office">
@@ -3945,8 +3710,6 @@
       </a:bgFillStyleLst>
     </a:fmtScheme>
   </a:themeElements>
-  <a:objectDefaults/>
-  <a:extraClrSchemeLst/>
   <a:extLst>
     <a:ext uri="{05A4C25C-085E-4340-85A3-A5531E510DB2}">
       <thm15:themeFamily xmlns:thm15="http://schemas.microsoft.com/office/thememl/2012/main" name="Office Theme" id="{62F939B6-93AF-4DB8-9C6B-D6C7DFDC589F}" vid="{4A3C46E8-61CC-4603-A589-7422A47A8E4A}"/>
